--- a/cases/Epitope_Prediction_TiezhengYuan.pptx
+++ b/cases/Epitope_Prediction_TiezhengYuan.pptx
@@ -5,7 +5,7 @@
     <p:sldMasterId id="2147483648" r:id="rId1"/>
   </p:sldMasterIdLst>
   <p:notesMasterIdLst>
-    <p:notesMasterId r:id="rId38"/>
+    <p:notesMasterId r:id="rId37"/>
   </p:notesMasterIdLst>
   <p:sldIdLst>
     <p:sldId id="256" r:id="rId2"/>
@@ -28,14 +28,14 @@
     <p:sldId id="278" r:id="rId19"/>
     <p:sldId id="279" r:id="rId20"/>
     <p:sldId id="280" r:id="rId21"/>
-    <p:sldId id="286" r:id="rId22"/>
-    <p:sldId id="276" r:id="rId23"/>
-    <p:sldId id="289" r:id="rId24"/>
-    <p:sldId id="285" r:id="rId25"/>
-    <p:sldId id="291" r:id="rId26"/>
-    <p:sldId id="292" r:id="rId27"/>
-    <p:sldId id="293" r:id="rId28"/>
-    <p:sldId id="294" r:id="rId29"/>
+    <p:sldId id="276" r:id="rId22"/>
+    <p:sldId id="289" r:id="rId23"/>
+    <p:sldId id="285" r:id="rId24"/>
+    <p:sldId id="291" r:id="rId25"/>
+    <p:sldId id="292" r:id="rId26"/>
+    <p:sldId id="293" r:id="rId27"/>
+    <p:sldId id="294" r:id="rId28"/>
+    <p:sldId id="295" r:id="rId29"/>
     <p:sldId id="290" r:id="rId30"/>
     <p:sldId id="265" r:id="rId31"/>
     <p:sldId id="281" r:id="rId32"/>
@@ -43,7 +43,6 @@
     <p:sldId id="283" r:id="rId34"/>
     <p:sldId id="269" r:id="rId35"/>
     <p:sldId id="263" r:id="rId36"/>
-    <p:sldId id="284" r:id="rId37"/>
   </p:sldIdLst>
   <p:sldSz cx="12192000" cy="6858000"/>
   <p:notesSz cx="6858000" cy="9144000"/>
@@ -232,7 +231,7 @@
           <a:p>
             <a:fld id="{A3421A65-4BCD-4D20-9A17-7A7841CE9060}" type="datetimeFigureOut">
               <a:rPr lang="en-US" smtClean="0"/>
-              <a:t>1/5/2025</a:t>
+              <a:t>2/10/2025</a:t>
             </a:fld>
             <a:endParaRPr lang="en-US"/>
           </a:p>
@@ -545,19 +544,7 @@
           <a:p>
             <a:r>
               <a:rPr lang="en-US" dirty="0"/>
-              <a:t>The plots on the right side are enlarged  from the left side.</a:t>
-            </a:r>
-          </a:p>
-          <a:p>
-            <a:r>
-              <a:rPr lang="en-US" dirty="0"/>
-              <a:t>1. Most antigens are annotated by &lt;5 epitopes. 99% antigens are annotated by &lt;30 epitopes.</a:t>
-            </a:r>
-          </a:p>
-          <a:p>
-            <a:r>
-              <a:rPr lang="en-US" dirty="0"/>
-              <a:t>2.  Most epitopes range from 9 – 20 amino acids.</a:t>
+              <a:t>Here, I list applications of epitope predictor.</a:t>
             </a:r>
           </a:p>
         </p:txBody>
@@ -579,7 +566,7 @@
           <a:p>
             <a:fld id="{3B914BCA-DBD4-462E-A6F5-E00E4027473D}" type="slidenum">
               <a:rPr lang="en-US" smtClean="0"/>
-              <a:t>6</a:t>
+              <a:t>3</a:t>
             </a:fld>
             <a:endParaRPr lang="en-US"/>
           </a:p>
@@ -588,7 +575,7 @@
     </p:spTree>
     <p:extLst>
       <p:ext uri="{BB962C8B-B14F-4D97-AF65-F5344CB8AC3E}">
-        <p14:creationId xmlns:p14="http://schemas.microsoft.com/office/powerpoint/2010/main" val="867616512"/>
+        <p14:creationId xmlns:p14="http://schemas.microsoft.com/office/powerpoint/2010/main" val="3705053227"/>
       </p:ext>
     </p:extLst>
   </p:cSld>
@@ -642,7 +629,10 @@
           <a:bodyPr/>
           <a:lstStyle/>
           <a:p>
-            <a:endParaRPr lang="en-US" dirty="0"/>
+            <a:r>
+              <a:rPr lang="en-US" dirty="0"/>
+              <a:t>In RNN, the output is determined by the current input and the hidden unit of latest previous layer. Therefore, a RNN model could predict the next word based on current word in a text sequence. LSTM(long-short term memory) is decoration of conventional RNN.  There are forget, input and output gate added in the model. The three gates update the cell state.  Forget reset the hidden unit to  zero. Input decide if input could be removed. Output decide if hidden unit could be used.</a:t>
+            </a:r>
           </a:p>
         </p:txBody>
       </p:sp>
@@ -663,7 +653,7 @@
           <a:p>
             <a:fld id="{3B914BCA-DBD4-462E-A6F5-E00E4027473D}" type="slidenum">
               <a:rPr lang="en-US" smtClean="0"/>
-              <a:t>31</a:t>
+              <a:t>17</a:t>
             </a:fld>
             <a:endParaRPr lang="en-US"/>
           </a:p>
@@ -672,7 +662,7 @@
     </p:spTree>
     <p:extLst>
       <p:ext uri="{BB962C8B-B14F-4D97-AF65-F5344CB8AC3E}">
-        <p14:creationId xmlns:p14="http://schemas.microsoft.com/office/powerpoint/2010/main" val="2727968096"/>
+        <p14:creationId xmlns:p14="http://schemas.microsoft.com/office/powerpoint/2010/main" val="3972044058"/>
       </p:ext>
     </p:extLst>
   </p:cSld>
@@ -726,46 +716,10 @@
           <a:bodyPr/>
           <a:lstStyle/>
           <a:p>
-            <a:pPr marL="0" marR="0" lvl="0" indent="0" algn="l" defTabSz="914400" rtl="0" eaLnBrk="1" fontAlgn="auto" latinLnBrk="0" hangingPunct="1">
-              <a:lnSpc>
-                <a:spcPct val="100000"/>
-              </a:lnSpc>
-              <a:spcBef>
-                <a:spcPts val="0"/>
-              </a:spcBef>
-              <a:spcAft>
-                <a:spcPts val="0"/>
-              </a:spcAft>
-              <a:buClrTx/>
-              <a:buSzTx/>
-              <a:buFontTx/>
-              <a:buNone/>
-              <a:tabLst/>
-              <a:defRPr/>
-            </a:pPr>
-            <a:r>
-              <a:rPr lang="en-US" dirty="0"/>
-              <a:t>In this case study, I did virtual epitope mapping using that model. K-</a:t>
-            </a:r>
-            <a:r>
-              <a:rPr lang="en-US" dirty="0" err="1"/>
-              <a:t>mer</a:t>
-            </a:r>
-            <a:r>
-              <a:rPr lang="en-US" dirty="0"/>
-              <a:t> =20 means the epitope  window is 20 AA. Scan the entire protein sequence from N-terminus. The dots stand for prediction on that AA. The orange color lines represents the regions annotated as epitopes region. HER1 is transmembrane protein, which are extracellular, transmembrane, and intracellular regions. Showed in the plot, the cysteine-rich region and transmembrane regions are not predicted as epitopes, consistence with previous bench work study. </a:t>
-            </a:r>
-            <a:r>
-              <a:rPr lang="en-US" b="1" dirty="0"/>
-              <a:t>Domain III</a:t>
-            </a:r>
-            <a:r>
-              <a:rPr lang="en-US" dirty="0"/>
-              <a:t> contains competitively binding sites used by lots of monoclonal antibody drugs which are labeled by vertical bars.</a:t>
-            </a:r>
-          </a:p>
-          <a:p>
-            <a:endParaRPr lang="en-US" dirty="0"/>
+            <a:r>
+              <a:rPr lang="en-US" dirty="0"/>
+              <a:t>Recall on validate data is 75%.  Accuracy is 80%</a:t>
+            </a:r>
           </a:p>
         </p:txBody>
       </p:sp>
@@ -786,7 +740,7 @@
           <a:p>
             <a:fld id="{3B914BCA-DBD4-462E-A6F5-E00E4027473D}" type="slidenum">
               <a:rPr lang="en-US" smtClean="0"/>
-              <a:t>32</a:t>
+              <a:t>19</a:t>
             </a:fld>
             <a:endParaRPr lang="en-US"/>
           </a:p>
@@ -795,7 +749,7 @@
     </p:spTree>
     <p:extLst>
       <p:ext uri="{BB962C8B-B14F-4D97-AF65-F5344CB8AC3E}">
-        <p14:creationId xmlns:p14="http://schemas.microsoft.com/office/powerpoint/2010/main" val="924141762"/>
+        <p14:creationId xmlns:p14="http://schemas.microsoft.com/office/powerpoint/2010/main" val="738024369"/>
       </p:ext>
     </p:extLst>
   </p:cSld>
@@ -851,7 +805,79 @@
           <a:p>
             <a:r>
               <a:rPr lang="en-US" dirty="0"/>
-              <a:t>Antibody production and medicine is a very long and complex process. The screening could be phage, or mice system.</a:t>
+              <a:t>Expand 25 features to 420 features: mean, median, variance of 5 </a:t>
+            </a:r>
+            <a:r>
+              <a:rPr lang="en-US" dirty="0" err="1"/>
+              <a:t>phy-che</a:t>
+            </a:r>
+            <a:r>
+              <a:rPr lang="en-US" dirty="0"/>
+              <a:t> properties. Frequencies of 1-AA, 2-AA, existences of </a:t>
+            </a:r>
+            <a:r>
+              <a:rPr lang="en-US" dirty="0" err="1"/>
+              <a:t>of</a:t>
+            </a:r>
+            <a:r>
+              <a:rPr lang="en-US" dirty="0"/>
+              <a:t> 1-AA, and 2-AA (binary). The RF can help us to evaluate importance of features. Showed as the upper plot, mean value of hydrophobicity, frequency of </a:t>
+            </a:r>
+            <a:r>
+              <a:rPr lang="en-US" dirty="0" err="1"/>
+              <a:t>cys</a:t>
+            </a:r>
+            <a:r>
+              <a:rPr lang="en-US" dirty="0"/>
+              <a:t>, </a:t>
+            </a:r>
+            <a:r>
+              <a:rPr lang="en-US" dirty="0" err="1"/>
+              <a:t>tyr,val</a:t>
+            </a:r>
+            <a:r>
+              <a:rPr lang="en-US" dirty="0"/>
+              <a:t> </a:t>
+            </a:r>
+            <a:r>
+              <a:rPr lang="en-US" dirty="0" err="1"/>
+              <a:t>etc</a:t>
+            </a:r>
+            <a:r>
+              <a:rPr lang="en-US" dirty="0"/>
+              <a:t>, existence of </a:t>
+            </a:r>
+            <a:r>
+              <a:rPr lang="en-US" dirty="0" err="1"/>
+              <a:t>cys</a:t>
+            </a:r>
+            <a:r>
+              <a:rPr lang="en-US" dirty="0"/>
+              <a:t>, </a:t>
+            </a:r>
+            <a:r>
+              <a:rPr lang="en-US" dirty="0" err="1"/>
+              <a:t>tyr</a:t>
+            </a:r>
+            <a:r>
+              <a:rPr lang="en-US" dirty="0"/>
+              <a:t>, </a:t>
+            </a:r>
+            <a:r>
+              <a:rPr lang="en-US" dirty="0" err="1"/>
+              <a:t>val</a:t>
+            </a:r>
+            <a:r>
+              <a:rPr lang="en-US" dirty="0"/>
+              <a:t> Ile, or </a:t>
+            </a:r>
+            <a:r>
+              <a:rPr lang="en-US" dirty="0" err="1"/>
+              <a:t>Phe</a:t>
+            </a:r>
+            <a:r>
+              <a:rPr lang="en-US" dirty="0"/>
+              <a:t>, </a:t>
             </a:r>
           </a:p>
         </p:txBody>
@@ -873,7 +899,7 @@
           <a:p>
             <a:fld id="{3B914BCA-DBD4-462E-A6F5-E00E4027473D}" type="slidenum">
               <a:rPr lang="en-US" smtClean="0"/>
-              <a:t>35</a:t>
+              <a:t>23</a:t>
             </a:fld>
             <a:endParaRPr lang="en-US"/>
           </a:p>
@@ -882,7 +908,7 @@
     </p:spTree>
     <p:extLst>
       <p:ext uri="{BB962C8B-B14F-4D97-AF65-F5344CB8AC3E}">
-        <p14:creationId xmlns:p14="http://schemas.microsoft.com/office/powerpoint/2010/main" val="1756694147"/>
+        <p14:creationId xmlns:p14="http://schemas.microsoft.com/office/powerpoint/2010/main" val="1184254956"/>
       </p:ext>
     </p:extLst>
   </p:cSld>
@@ -938,15 +964,23 @@
           <a:p>
             <a:r>
               <a:rPr lang="en-US" dirty="0"/>
-              <a:t>HER2 () is involved in normal cell growth. But overexpression in cancer cells including </a:t>
+              <a:t>All of AA are hydrophobic amino acid.  Leu is strongest Hydro. </a:t>
             </a:r>
             <a:r>
               <a:rPr lang="en-US" dirty="0" err="1"/>
-              <a:t>breact</a:t>
-            </a:r>
-            <a:r>
-              <a:rPr lang="en-US" dirty="0"/>
-              <a:t> ovarian, bladder, pancreatic , stomach and esophageal cancers.</a:t>
+              <a:t>Cys</a:t>
+            </a:r>
+            <a:r>
+              <a:rPr lang="en-US" dirty="0"/>
+              <a:t> is less hydro, of which is close to the neutral AA.  AUC of identification of epitopes containing </a:t>
+            </a:r>
+            <a:r>
+              <a:rPr lang="en-US" dirty="0" err="1"/>
+              <a:t>Cys</a:t>
+            </a:r>
+            <a:r>
+              <a:rPr lang="en-US" dirty="0"/>
+              <a:t> or without Leu are larger than others.</a:t>
             </a:r>
           </a:p>
         </p:txBody>
@@ -968,7 +1002,7 @@
           <a:p>
             <a:fld id="{3B914BCA-DBD4-462E-A6F5-E00E4027473D}" type="slidenum">
               <a:rPr lang="en-US" smtClean="0"/>
-              <a:t>36</a:t>
+              <a:t>24</a:t>
             </a:fld>
             <a:endParaRPr lang="en-US"/>
           </a:p>
@@ -977,7 +1011,560 @@
     </p:spTree>
     <p:extLst>
       <p:ext uri="{BB962C8B-B14F-4D97-AF65-F5344CB8AC3E}">
-        <p14:creationId xmlns:p14="http://schemas.microsoft.com/office/powerpoint/2010/main" val="2130257393"/>
+        <p14:creationId xmlns:p14="http://schemas.microsoft.com/office/powerpoint/2010/main" val="3452257832"/>
+      </p:ext>
+    </p:extLst>
+  </p:cSld>
+  <p:clrMapOvr>
+    <a:masterClrMapping/>
+  </p:clrMapOvr>
+</p:notes>
+</file>
+
+<file path=ppt/notesSlides/notesSlide14.xml><?xml version="1.0" encoding="utf-8"?>
+<p:notes xmlns:a="http://schemas.openxmlformats.org/drawingml/2006/main" xmlns:r="http://schemas.openxmlformats.org/officeDocument/2006/relationships" xmlns:p="http://schemas.openxmlformats.org/presentationml/2006/main">
+  <p:cSld>
+    <p:spTree>
+      <p:nvGrpSpPr>
+        <p:cNvPr id="1" name=""/>
+        <p:cNvGrpSpPr/>
+        <p:nvPr/>
+      </p:nvGrpSpPr>
+      <p:grpSpPr>
+        <a:xfrm>
+          <a:off x="0" y="0"/>
+          <a:ext cx="0" cy="0"/>
+          <a:chOff x="0" y="0"/>
+          <a:chExt cx="0" cy="0"/>
+        </a:xfrm>
+      </p:grpSpPr>
+      <p:sp>
+        <p:nvSpPr>
+          <p:cNvPr id="2" name="Slide Image Placeholder 1"/>
+          <p:cNvSpPr>
+            <a:spLocks noGrp="1" noRot="1" noChangeAspect="1"/>
+          </p:cNvSpPr>
+          <p:nvPr>
+            <p:ph type="sldImg"/>
+          </p:nvPr>
+        </p:nvSpPr>
+        <p:spPr/>
+      </p:sp>
+      <p:sp>
+        <p:nvSpPr>
+          <p:cNvPr id="3" name="Notes Placeholder 2"/>
+          <p:cNvSpPr>
+            <a:spLocks noGrp="1"/>
+          </p:cNvSpPr>
+          <p:nvPr>
+            <p:ph type="body" idx="1"/>
+          </p:nvPr>
+        </p:nvSpPr>
+        <p:spPr/>
+        <p:txBody>
+          <a:bodyPr/>
+          <a:lstStyle/>
+          <a:p>
+            <a:r>
+              <a:rPr lang="en-US" dirty="0"/>
+              <a:t>Up to 62% epitopes contains at least one leu and don’t include </a:t>
+            </a:r>
+            <a:r>
+              <a:rPr lang="en-US" dirty="0" err="1"/>
+              <a:t>Cys</a:t>
+            </a:r>
+            <a:r>
+              <a:rPr lang="en-US" dirty="0"/>
+              <a:t>. That indicates </a:t>
+            </a:r>
+            <a:r>
+              <a:rPr lang="en-US" dirty="0" err="1"/>
+              <a:t>Cys</a:t>
+            </a:r>
+            <a:r>
+              <a:rPr lang="en-US" dirty="0"/>
+              <a:t> and Leu are contrary parts in lots of epitopes. Val and Leu is compatible to each other in 41% epitopes.</a:t>
+            </a:r>
+          </a:p>
+        </p:txBody>
+      </p:sp>
+      <p:sp>
+        <p:nvSpPr>
+          <p:cNvPr id="4" name="Slide Number Placeholder 3"/>
+          <p:cNvSpPr>
+            <a:spLocks noGrp="1"/>
+          </p:cNvSpPr>
+          <p:nvPr>
+            <p:ph type="sldNum" sz="quarter" idx="5"/>
+          </p:nvPr>
+        </p:nvSpPr>
+        <p:spPr/>
+        <p:txBody>
+          <a:bodyPr/>
+          <a:lstStyle/>
+          <a:p>
+            <a:fld id="{3B914BCA-DBD4-462E-A6F5-E00E4027473D}" type="slidenum">
+              <a:rPr lang="en-US" smtClean="0"/>
+              <a:t>25</a:t>
+            </a:fld>
+            <a:endParaRPr lang="en-US"/>
+          </a:p>
+        </p:txBody>
+      </p:sp>
+    </p:spTree>
+    <p:extLst>
+      <p:ext uri="{BB962C8B-B14F-4D97-AF65-F5344CB8AC3E}">
+        <p14:creationId xmlns:p14="http://schemas.microsoft.com/office/powerpoint/2010/main" val="3234828439"/>
+      </p:ext>
+    </p:extLst>
+  </p:cSld>
+  <p:clrMapOvr>
+    <a:masterClrMapping/>
+  </p:clrMapOvr>
+</p:notes>
+</file>
+
+<file path=ppt/notesSlides/notesSlide15.xml><?xml version="1.0" encoding="utf-8"?>
+<p:notes xmlns:a="http://schemas.openxmlformats.org/drawingml/2006/main" xmlns:r="http://schemas.openxmlformats.org/officeDocument/2006/relationships" xmlns:p="http://schemas.openxmlformats.org/presentationml/2006/main">
+  <p:cSld>
+    <p:spTree>
+      <p:nvGrpSpPr>
+        <p:cNvPr id="1" name=""/>
+        <p:cNvGrpSpPr/>
+        <p:nvPr/>
+      </p:nvGrpSpPr>
+      <p:grpSpPr>
+        <a:xfrm>
+          <a:off x="0" y="0"/>
+          <a:ext cx="0" cy="0"/>
+          <a:chOff x="0" y="0"/>
+          <a:chExt cx="0" cy="0"/>
+        </a:xfrm>
+      </p:grpSpPr>
+      <p:sp>
+        <p:nvSpPr>
+          <p:cNvPr id="2" name="Slide Image Placeholder 1"/>
+          <p:cNvSpPr>
+            <a:spLocks noGrp="1" noRot="1" noChangeAspect="1"/>
+          </p:cNvSpPr>
+          <p:nvPr>
+            <p:ph type="sldImg"/>
+          </p:nvPr>
+        </p:nvSpPr>
+        <p:spPr/>
+      </p:sp>
+      <p:sp>
+        <p:nvSpPr>
+          <p:cNvPr id="3" name="Notes Placeholder 2"/>
+          <p:cNvSpPr>
+            <a:spLocks noGrp="1"/>
+          </p:cNvSpPr>
+          <p:nvPr>
+            <p:ph type="body" idx="1"/>
+          </p:nvPr>
+        </p:nvSpPr>
+        <p:spPr/>
+        <p:txBody>
+          <a:bodyPr/>
+          <a:lstStyle/>
+          <a:p>
+            <a:endParaRPr lang="en-US" dirty="0"/>
+          </a:p>
+        </p:txBody>
+      </p:sp>
+      <p:sp>
+        <p:nvSpPr>
+          <p:cNvPr id="4" name="Slide Number Placeholder 3"/>
+          <p:cNvSpPr>
+            <a:spLocks noGrp="1"/>
+          </p:cNvSpPr>
+          <p:nvPr>
+            <p:ph type="sldNum" sz="quarter" idx="5"/>
+          </p:nvPr>
+        </p:nvSpPr>
+        <p:spPr/>
+        <p:txBody>
+          <a:bodyPr/>
+          <a:lstStyle/>
+          <a:p>
+            <a:fld id="{3B914BCA-DBD4-462E-A6F5-E00E4027473D}" type="slidenum">
+              <a:rPr lang="en-US" smtClean="0"/>
+              <a:t>27</a:t>
+            </a:fld>
+            <a:endParaRPr lang="en-US"/>
+          </a:p>
+        </p:txBody>
+      </p:sp>
+    </p:spTree>
+    <p:extLst>
+      <p:ext uri="{BB962C8B-B14F-4D97-AF65-F5344CB8AC3E}">
+        <p14:creationId xmlns:p14="http://schemas.microsoft.com/office/powerpoint/2010/main" val="2828277421"/>
+      </p:ext>
+    </p:extLst>
+  </p:cSld>
+  <p:clrMapOvr>
+    <a:masterClrMapping/>
+  </p:clrMapOvr>
+</p:notes>
+</file>
+
+<file path=ppt/notesSlides/notesSlide16.xml><?xml version="1.0" encoding="utf-8"?>
+<p:notes xmlns:a="http://schemas.openxmlformats.org/drawingml/2006/main" xmlns:r="http://schemas.openxmlformats.org/officeDocument/2006/relationships" xmlns:p="http://schemas.openxmlformats.org/presentationml/2006/main">
+  <p:cSld>
+    <p:spTree>
+      <p:nvGrpSpPr>
+        <p:cNvPr id="1" name="">
+          <a:extLst>
+            <a:ext uri="{FF2B5EF4-FFF2-40B4-BE49-F238E27FC236}">
+              <a16:creationId xmlns:a16="http://schemas.microsoft.com/office/drawing/2014/main" id="{3E19AFC2-D93D-B518-F043-31B8CA798A88}"/>
+            </a:ext>
+          </a:extLst>
+        </p:cNvPr>
+        <p:cNvGrpSpPr/>
+        <p:nvPr/>
+      </p:nvGrpSpPr>
+      <p:grpSpPr>
+        <a:xfrm>
+          <a:off x="0" y="0"/>
+          <a:ext cx="0" cy="0"/>
+          <a:chOff x="0" y="0"/>
+          <a:chExt cx="0" cy="0"/>
+        </a:xfrm>
+      </p:grpSpPr>
+      <p:sp>
+        <p:nvSpPr>
+          <p:cNvPr id="2" name="Slide Image Placeholder 1">
+            <a:extLst>
+              <a:ext uri="{FF2B5EF4-FFF2-40B4-BE49-F238E27FC236}">
+                <a16:creationId xmlns:a16="http://schemas.microsoft.com/office/drawing/2014/main" id="{59159612-B8A3-6D1D-A6A2-694B8EAD8B0D}"/>
+              </a:ext>
+            </a:extLst>
+          </p:cNvPr>
+          <p:cNvSpPr>
+            <a:spLocks noGrp="1" noRot="1" noChangeAspect="1"/>
+          </p:cNvSpPr>
+          <p:nvPr>
+            <p:ph type="sldImg"/>
+          </p:nvPr>
+        </p:nvSpPr>
+        <p:spPr/>
+      </p:sp>
+      <p:sp>
+        <p:nvSpPr>
+          <p:cNvPr id="3" name="Notes Placeholder 2">
+            <a:extLst>
+              <a:ext uri="{FF2B5EF4-FFF2-40B4-BE49-F238E27FC236}">
+                <a16:creationId xmlns:a16="http://schemas.microsoft.com/office/drawing/2014/main" id="{916A53FA-FB97-F5B6-C84E-974263D49F77}"/>
+              </a:ext>
+            </a:extLst>
+          </p:cNvPr>
+          <p:cNvSpPr>
+            <a:spLocks noGrp="1"/>
+          </p:cNvSpPr>
+          <p:nvPr>
+            <p:ph type="body" idx="1"/>
+          </p:nvPr>
+        </p:nvSpPr>
+        <p:spPr/>
+        <p:txBody>
+          <a:bodyPr/>
+          <a:lstStyle/>
+          <a:p>
+            <a:endParaRPr lang="en-US" dirty="0"/>
+          </a:p>
+        </p:txBody>
+      </p:sp>
+      <p:sp>
+        <p:nvSpPr>
+          <p:cNvPr id="4" name="Slide Number Placeholder 3">
+            <a:extLst>
+              <a:ext uri="{FF2B5EF4-FFF2-40B4-BE49-F238E27FC236}">
+                <a16:creationId xmlns:a16="http://schemas.microsoft.com/office/drawing/2014/main" id="{305FA17A-08B1-58E8-C1C9-872F2FA040DD}"/>
+              </a:ext>
+            </a:extLst>
+          </p:cNvPr>
+          <p:cNvSpPr>
+            <a:spLocks noGrp="1"/>
+          </p:cNvSpPr>
+          <p:nvPr>
+            <p:ph type="sldNum" sz="quarter" idx="5"/>
+          </p:nvPr>
+        </p:nvSpPr>
+        <p:spPr/>
+        <p:txBody>
+          <a:bodyPr/>
+          <a:lstStyle/>
+          <a:p>
+            <a:fld id="{3B914BCA-DBD4-462E-A6F5-E00E4027473D}" type="slidenum">
+              <a:rPr lang="en-US" smtClean="0"/>
+              <a:t>28</a:t>
+            </a:fld>
+            <a:endParaRPr lang="en-US"/>
+          </a:p>
+        </p:txBody>
+      </p:sp>
+    </p:spTree>
+    <p:extLst>
+      <p:ext uri="{BB962C8B-B14F-4D97-AF65-F5344CB8AC3E}">
+        <p14:creationId xmlns:p14="http://schemas.microsoft.com/office/powerpoint/2010/main" val="2943531138"/>
+      </p:ext>
+    </p:extLst>
+  </p:cSld>
+  <p:clrMapOvr>
+    <a:masterClrMapping/>
+  </p:clrMapOvr>
+</p:notes>
+</file>
+
+<file path=ppt/notesSlides/notesSlide17.xml><?xml version="1.0" encoding="utf-8"?>
+<p:notes xmlns:a="http://schemas.openxmlformats.org/drawingml/2006/main" xmlns:r="http://schemas.openxmlformats.org/officeDocument/2006/relationships" xmlns:p="http://schemas.openxmlformats.org/presentationml/2006/main">
+  <p:cSld>
+    <p:spTree>
+      <p:nvGrpSpPr>
+        <p:cNvPr id="1" name=""/>
+        <p:cNvGrpSpPr/>
+        <p:nvPr/>
+      </p:nvGrpSpPr>
+      <p:grpSpPr>
+        <a:xfrm>
+          <a:off x="0" y="0"/>
+          <a:ext cx="0" cy="0"/>
+          <a:chOff x="0" y="0"/>
+          <a:chExt cx="0" cy="0"/>
+        </a:xfrm>
+      </p:grpSpPr>
+      <p:sp>
+        <p:nvSpPr>
+          <p:cNvPr id="2" name="Slide Image Placeholder 1"/>
+          <p:cNvSpPr>
+            <a:spLocks noGrp="1" noRot="1" noChangeAspect="1"/>
+          </p:cNvSpPr>
+          <p:nvPr>
+            <p:ph type="sldImg"/>
+          </p:nvPr>
+        </p:nvSpPr>
+        <p:spPr/>
+      </p:sp>
+      <p:sp>
+        <p:nvSpPr>
+          <p:cNvPr id="3" name="Notes Placeholder 2"/>
+          <p:cNvSpPr>
+            <a:spLocks noGrp="1"/>
+          </p:cNvSpPr>
+          <p:nvPr>
+            <p:ph type="body" idx="1"/>
+          </p:nvPr>
+        </p:nvSpPr>
+        <p:spPr/>
+        <p:txBody>
+          <a:bodyPr/>
+          <a:lstStyle/>
+          <a:p>
+            <a:r>
+              <a:rPr lang="en-US" dirty="0"/>
+              <a:t>The next, I employ the models to perform epitope virtual mapping using some well-studied proteins. </a:t>
+            </a:r>
+          </a:p>
+        </p:txBody>
+      </p:sp>
+      <p:sp>
+        <p:nvSpPr>
+          <p:cNvPr id="4" name="Slide Number Placeholder 3"/>
+          <p:cNvSpPr>
+            <a:spLocks noGrp="1"/>
+          </p:cNvSpPr>
+          <p:nvPr>
+            <p:ph type="sldNum" sz="quarter" idx="5"/>
+          </p:nvPr>
+        </p:nvSpPr>
+        <p:spPr/>
+        <p:txBody>
+          <a:bodyPr/>
+          <a:lstStyle/>
+          <a:p>
+            <a:fld id="{3B914BCA-DBD4-462E-A6F5-E00E4027473D}" type="slidenum">
+              <a:rPr lang="en-US" smtClean="0"/>
+              <a:t>29</a:t>
+            </a:fld>
+            <a:endParaRPr lang="en-US"/>
+          </a:p>
+        </p:txBody>
+      </p:sp>
+    </p:spTree>
+    <p:extLst>
+      <p:ext uri="{BB962C8B-B14F-4D97-AF65-F5344CB8AC3E}">
+        <p14:creationId xmlns:p14="http://schemas.microsoft.com/office/powerpoint/2010/main" val="3018033944"/>
+      </p:ext>
+    </p:extLst>
+  </p:cSld>
+  <p:clrMapOvr>
+    <a:masterClrMapping/>
+  </p:clrMapOvr>
+</p:notes>
+</file>
+
+<file path=ppt/notesSlides/notesSlide18.xml><?xml version="1.0" encoding="utf-8"?>
+<p:notes xmlns:a="http://schemas.openxmlformats.org/drawingml/2006/main" xmlns:r="http://schemas.openxmlformats.org/officeDocument/2006/relationships" xmlns:p="http://schemas.openxmlformats.org/presentationml/2006/main">
+  <p:cSld>
+    <p:spTree>
+      <p:nvGrpSpPr>
+        <p:cNvPr id="1" name=""/>
+        <p:cNvGrpSpPr/>
+        <p:nvPr/>
+      </p:nvGrpSpPr>
+      <p:grpSpPr>
+        <a:xfrm>
+          <a:off x="0" y="0"/>
+          <a:ext cx="0" cy="0"/>
+          <a:chOff x="0" y="0"/>
+          <a:chExt cx="0" cy="0"/>
+        </a:xfrm>
+      </p:grpSpPr>
+      <p:sp>
+        <p:nvSpPr>
+          <p:cNvPr id="2" name="Slide Image Placeholder 1"/>
+          <p:cNvSpPr>
+            <a:spLocks noGrp="1" noRot="1" noChangeAspect="1"/>
+          </p:cNvSpPr>
+          <p:nvPr>
+            <p:ph type="sldImg"/>
+          </p:nvPr>
+        </p:nvSpPr>
+        <p:spPr/>
+      </p:sp>
+      <p:sp>
+        <p:nvSpPr>
+          <p:cNvPr id="3" name="Notes Placeholder 2"/>
+          <p:cNvSpPr>
+            <a:spLocks noGrp="1"/>
+          </p:cNvSpPr>
+          <p:nvPr>
+            <p:ph type="body" idx="1"/>
+          </p:nvPr>
+        </p:nvSpPr>
+        <p:spPr/>
+        <p:txBody>
+          <a:bodyPr/>
+          <a:lstStyle/>
+          <a:p>
+            <a:r>
+              <a:rPr lang="en-US" dirty="0"/>
+              <a:t>Epidermal growth factor receptor is drug to treat cancer namely metastatic colorectal cancer, non-small cell lung cancer. Those antibody targeting is domain III of HER1. that is transmembrane protein.</a:t>
+            </a:r>
+          </a:p>
+        </p:txBody>
+      </p:sp>
+      <p:sp>
+        <p:nvSpPr>
+          <p:cNvPr id="4" name="Slide Number Placeholder 3"/>
+          <p:cNvSpPr>
+            <a:spLocks noGrp="1"/>
+          </p:cNvSpPr>
+          <p:nvPr>
+            <p:ph type="sldNum" sz="quarter" idx="5"/>
+          </p:nvPr>
+        </p:nvSpPr>
+        <p:spPr/>
+        <p:txBody>
+          <a:bodyPr/>
+          <a:lstStyle/>
+          <a:p>
+            <a:fld id="{3B914BCA-DBD4-462E-A6F5-E00E4027473D}" type="slidenum">
+              <a:rPr lang="en-US" smtClean="0"/>
+              <a:t>30</a:t>
+            </a:fld>
+            <a:endParaRPr lang="en-US"/>
+          </a:p>
+        </p:txBody>
+      </p:sp>
+    </p:spTree>
+    <p:extLst>
+      <p:ext uri="{BB962C8B-B14F-4D97-AF65-F5344CB8AC3E}">
+        <p14:creationId xmlns:p14="http://schemas.microsoft.com/office/powerpoint/2010/main" val="1522690406"/>
+      </p:ext>
+    </p:extLst>
+  </p:cSld>
+  <p:clrMapOvr>
+    <a:masterClrMapping/>
+  </p:clrMapOvr>
+</p:notes>
+</file>
+
+<file path=ppt/notesSlides/notesSlide19.xml><?xml version="1.0" encoding="utf-8"?>
+<p:notes xmlns:a="http://schemas.openxmlformats.org/drawingml/2006/main" xmlns:r="http://schemas.openxmlformats.org/officeDocument/2006/relationships" xmlns:p="http://schemas.openxmlformats.org/presentationml/2006/main">
+  <p:cSld>
+    <p:spTree>
+      <p:nvGrpSpPr>
+        <p:cNvPr id="1" name=""/>
+        <p:cNvGrpSpPr/>
+        <p:nvPr/>
+      </p:nvGrpSpPr>
+      <p:grpSpPr>
+        <a:xfrm>
+          <a:off x="0" y="0"/>
+          <a:ext cx="0" cy="0"/>
+          <a:chOff x="0" y="0"/>
+          <a:chExt cx="0" cy="0"/>
+        </a:xfrm>
+      </p:grpSpPr>
+      <p:sp>
+        <p:nvSpPr>
+          <p:cNvPr id="2" name="Slide Image Placeholder 1"/>
+          <p:cNvSpPr>
+            <a:spLocks noGrp="1" noRot="1" noChangeAspect="1"/>
+          </p:cNvSpPr>
+          <p:nvPr>
+            <p:ph type="sldImg"/>
+          </p:nvPr>
+        </p:nvSpPr>
+        <p:spPr/>
+      </p:sp>
+      <p:sp>
+        <p:nvSpPr>
+          <p:cNvPr id="3" name="Notes Placeholder 2"/>
+          <p:cNvSpPr>
+            <a:spLocks noGrp="1"/>
+          </p:cNvSpPr>
+          <p:nvPr>
+            <p:ph type="body" idx="1"/>
+          </p:nvPr>
+        </p:nvSpPr>
+        <p:spPr/>
+        <p:txBody>
+          <a:bodyPr/>
+          <a:lstStyle/>
+          <a:p>
+            <a:endParaRPr lang="en-US" dirty="0"/>
+          </a:p>
+        </p:txBody>
+      </p:sp>
+      <p:sp>
+        <p:nvSpPr>
+          <p:cNvPr id="4" name="Slide Number Placeholder 3"/>
+          <p:cNvSpPr>
+            <a:spLocks noGrp="1"/>
+          </p:cNvSpPr>
+          <p:nvPr>
+            <p:ph type="sldNum" sz="quarter" idx="5"/>
+          </p:nvPr>
+        </p:nvSpPr>
+        <p:spPr/>
+        <p:txBody>
+          <a:bodyPr/>
+          <a:lstStyle/>
+          <a:p>
+            <a:fld id="{3B914BCA-DBD4-462E-A6F5-E00E4027473D}" type="slidenum">
+              <a:rPr lang="en-US" smtClean="0"/>
+              <a:t>31</a:t>
+            </a:fld>
+            <a:endParaRPr lang="en-US"/>
+          </a:p>
+        </p:txBody>
+      </p:sp>
+    </p:spTree>
+    <p:extLst>
+      <p:ext uri="{BB962C8B-B14F-4D97-AF65-F5344CB8AC3E}">
+        <p14:creationId xmlns:p14="http://schemas.microsoft.com/office/powerpoint/2010/main" val="2727968096"/>
       </p:ext>
     </p:extLst>
   </p:cSld>
@@ -1033,7 +1620,7 @@
           <a:p>
             <a:r>
               <a:rPr lang="en-US" dirty="0"/>
-              <a:t>Compare AA compositions of epitopes with those in none-epitope sequence regions.  Hydrophobic or neural Aas are more than those in non-epitope regions.</a:t>
+              <a:t>Here, I listed all major bioinformatics tools of epitope predictor.</a:t>
             </a:r>
           </a:p>
         </p:txBody>
@@ -1055,7 +1642,7 @@
           <a:p>
             <a:fld id="{3B914BCA-DBD4-462E-A6F5-E00E4027473D}" type="slidenum">
               <a:rPr lang="en-US" smtClean="0"/>
-              <a:t>8</a:t>
+              <a:t>4</a:t>
             </a:fld>
             <a:endParaRPr lang="en-US"/>
           </a:p>
@@ -1064,7 +1651,217 @@
     </p:spTree>
     <p:extLst>
       <p:ext uri="{BB962C8B-B14F-4D97-AF65-F5344CB8AC3E}">
-        <p14:creationId xmlns:p14="http://schemas.microsoft.com/office/powerpoint/2010/main" val="2199881974"/>
+        <p14:creationId xmlns:p14="http://schemas.microsoft.com/office/powerpoint/2010/main" val="3953911708"/>
+      </p:ext>
+    </p:extLst>
+  </p:cSld>
+  <p:clrMapOvr>
+    <a:masterClrMapping/>
+  </p:clrMapOvr>
+</p:notes>
+</file>
+
+<file path=ppt/notesSlides/notesSlide20.xml><?xml version="1.0" encoding="utf-8"?>
+<p:notes xmlns:a="http://schemas.openxmlformats.org/drawingml/2006/main" xmlns:r="http://schemas.openxmlformats.org/officeDocument/2006/relationships" xmlns:p="http://schemas.openxmlformats.org/presentationml/2006/main">
+  <p:cSld>
+    <p:spTree>
+      <p:nvGrpSpPr>
+        <p:cNvPr id="1" name=""/>
+        <p:cNvGrpSpPr/>
+        <p:nvPr/>
+      </p:nvGrpSpPr>
+      <p:grpSpPr>
+        <a:xfrm>
+          <a:off x="0" y="0"/>
+          <a:ext cx="0" cy="0"/>
+          <a:chOff x="0" y="0"/>
+          <a:chExt cx="0" cy="0"/>
+        </a:xfrm>
+      </p:grpSpPr>
+      <p:sp>
+        <p:nvSpPr>
+          <p:cNvPr id="2" name="Slide Image Placeholder 1"/>
+          <p:cNvSpPr>
+            <a:spLocks noGrp="1" noRot="1" noChangeAspect="1"/>
+          </p:cNvSpPr>
+          <p:nvPr>
+            <p:ph type="sldImg"/>
+          </p:nvPr>
+        </p:nvSpPr>
+        <p:spPr/>
+      </p:sp>
+      <p:sp>
+        <p:nvSpPr>
+          <p:cNvPr id="3" name="Notes Placeholder 2"/>
+          <p:cNvSpPr>
+            <a:spLocks noGrp="1"/>
+          </p:cNvSpPr>
+          <p:nvPr>
+            <p:ph type="body" idx="1"/>
+          </p:nvPr>
+        </p:nvSpPr>
+        <p:spPr/>
+        <p:txBody>
+          <a:bodyPr/>
+          <a:lstStyle/>
+          <a:p>
+            <a:pPr marL="0" marR="0" lvl="0" indent="0" algn="l" defTabSz="914400" rtl="0" eaLnBrk="1" fontAlgn="auto" latinLnBrk="0" hangingPunct="1">
+              <a:lnSpc>
+                <a:spcPct val="100000"/>
+              </a:lnSpc>
+              <a:spcBef>
+                <a:spcPts val="0"/>
+              </a:spcBef>
+              <a:spcAft>
+                <a:spcPts val="0"/>
+              </a:spcAft>
+              <a:buClrTx/>
+              <a:buSzTx/>
+              <a:buFontTx/>
+              <a:buNone/>
+              <a:tabLst/>
+              <a:defRPr/>
+            </a:pPr>
+            <a:r>
+              <a:rPr lang="en-US" dirty="0"/>
+              <a:t>In this case study, I did virtual epitope mapping using that model. K-</a:t>
+            </a:r>
+            <a:r>
+              <a:rPr lang="en-US" dirty="0" err="1"/>
+              <a:t>mer</a:t>
+            </a:r>
+            <a:r>
+              <a:rPr lang="en-US" dirty="0"/>
+              <a:t> =20 means the epitope  window is 20 AA. Scan the entire protein sequence from N-terminus. The dots stand for prediction on that AA. The orange color lines represents the regions annotated as epitopes region. HER1 is transmembrane protein, which are extracellular, transmembrane, and intracellular regions. Showed in the plot, the cysteine-rich region and transmembrane regions are not predicted as epitopes, consistence with previous bench work study. </a:t>
+            </a:r>
+            <a:r>
+              <a:rPr lang="en-US" b="1" dirty="0"/>
+              <a:t>Domain III</a:t>
+            </a:r>
+            <a:r>
+              <a:rPr lang="en-US" dirty="0"/>
+              <a:t> contains competitively binding sites used by lots of monoclonal antibody drugs which are labeled by vertical bars.</a:t>
+            </a:r>
+          </a:p>
+          <a:p>
+            <a:endParaRPr lang="en-US" dirty="0"/>
+          </a:p>
+        </p:txBody>
+      </p:sp>
+      <p:sp>
+        <p:nvSpPr>
+          <p:cNvPr id="4" name="Slide Number Placeholder 3"/>
+          <p:cNvSpPr>
+            <a:spLocks noGrp="1"/>
+          </p:cNvSpPr>
+          <p:nvPr>
+            <p:ph type="sldNum" sz="quarter" idx="5"/>
+          </p:nvPr>
+        </p:nvSpPr>
+        <p:spPr/>
+        <p:txBody>
+          <a:bodyPr/>
+          <a:lstStyle/>
+          <a:p>
+            <a:fld id="{3B914BCA-DBD4-462E-A6F5-E00E4027473D}" type="slidenum">
+              <a:rPr lang="en-US" smtClean="0"/>
+              <a:t>32</a:t>
+            </a:fld>
+            <a:endParaRPr lang="en-US"/>
+          </a:p>
+        </p:txBody>
+      </p:sp>
+    </p:spTree>
+    <p:extLst>
+      <p:ext uri="{BB962C8B-B14F-4D97-AF65-F5344CB8AC3E}">
+        <p14:creationId xmlns:p14="http://schemas.microsoft.com/office/powerpoint/2010/main" val="924141762"/>
+      </p:ext>
+    </p:extLst>
+  </p:cSld>
+  <p:clrMapOvr>
+    <a:masterClrMapping/>
+  </p:clrMapOvr>
+</p:notes>
+</file>
+
+<file path=ppt/notesSlides/notesSlide21.xml><?xml version="1.0" encoding="utf-8"?>
+<p:notes xmlns:a="http://schemas.openxmlformats.org/drawingml/2006/main" xmlns:r="http://schemas.openxmlformats.org/officeDocument/2006/relationships" xmlns:p="http://schemas.openxmlformats.org/presentationml/2006/main">
+  <p:cSld>
+    <p:spTree>
+      <p:nvGrpSpPr>
+        <p:cNvPr id="1" name=""/>
+        <p:cNvGrpSpPr/>
+        <p:nvPr/>
+      </p:nvGrpSpPr>
+      <p:grpSpPr>
+        <a:xfrm>
+          <a:off x="0" y="0"/>
+          <a:ext cx="0" cy="0"/>
+          <a:chOff x="0" y="0"/>
+          <a:chExt cx="0" cy="0"/>
+        </a:xfrm>
+      </p:grpSpPr>
+      <p:sp>
+        <p:nvSpPr>
+          <p:cNvPr id="2" name="Slide Image Placeholder 1"/>
+          <p:cNvSpPr>
+            <a:spLocks noGrp="1" noRot="1" noChangeAspect="1"/>
+          </p:cNvSpPr>
+          <p:nvPr>
+            <p:ph type="sldImg"/>
+          </p:nvPr>
+        </p:nvSpPr>
+        <p:spPr/>
+      </p:sp>
+      <p:sp>
+        <p:nvSpPr>
+          <p:cNvPr id="3" name="Notes Placeholder 2"/>
+          <p:cNvSpPr>
+            <a:spLocks noGrp="1"/>
+          </p:cNvSpPr>
+          <p:nvPr>
+            <p:ph type="body" idx="1"/>
+          </p:nvPr>
+        </p:nvSpPr>
+        <p:spPr/>
+        <p:txBody>
+          <a:bodyPr/>
+          <a:lstStyle/>
+          <a:p>
+            <a:r>
+              <a:rPr lang="en-US" dirty="0"/>
+              <a:t>Antibody production and medicine is a very long and complex process. The screening could be phage, or mice system.</a:t>
+            </a:r>
+          </a:p>
+        </p:txBody>
+      </p:sp>
+      <p:sp>
+        <p:nvSpPr>
+          <p:cNvPr id="4" name="Slide Number Placeholder 3"/>
+          <p:cNvSpPr>
+            <a:spLocks noGrp="1"/>
+          </p:cNvSpPr>
+          <p:nvPr>
+            <p:ph type="sldNum" sz="quarter" idx="5"/>
+          </p:nvPr>
+        </p:nvSpPr>
+        <p:spPr/>
+        <p:txBody>
+          <a:bodyPr/>
+          <a:lstStyle/>
+          <a:p>
+            <a:fld id="{3B914BCA-DBD4-462E-A6F5-E00E4027473D}" type="slidenum">
+              <a:rPr lang="en-US" smtClean="0"/>
+              <a:t>35</a:t>
+            </a:fld>
+            <a:endParaRPr lang="en-US"/>
+          </a:p>
+        </p:txBody>
+      </p:sp>
+    </p:spTree>
+    <p:extLst>
+      <p:ext uri="{BB962C8B-B14F-4D97-AF65-F5344CB8AC3E}">
+        <p14:creationId xmlns:p14="http://schemas.microsoft.com/office/powerpoint/2010/main" val="1756694147"/>
       </p:ext>
     </p:extLst>
   </p:cSld>
@@ -1120,7 +1917,19 @@
           <a:p>
             <a:r>
               <a:rPr lang="en-US" dirty="0"/>
-              <a:t>Compared with hydrophobicity, rules of polarity and VDWV in epitopes compared with none-epitopes are not obvious.</a:t>
+              <a:t>The plots on the right side are enlarged  from the left side.</a:t>
+            </a:r>
+          </a:p>
+          <a:p>
+            <a:r>
+              <a:rPr lang="en-US" dirty="0"/>
+              <a:t>1. Most antigens are annotated by &lt;5 epitopes. 99% antigens are annotated by &lt;30 epitopes.</a:t>
+            </a:r>
+          </a:p>
+          <a:p>
+            <a:r>
+              <a:rPr lang="en-US" dirty="0"/>
+              <a:t>2.  Most epitopes range from 9 – 20 amino acids.</a:t>
             </a:r>
           </a:p>
         </p:txBody>
@@ -1142,7 +1951,7 @@
           <a:p>
             <a:fld id="{3B914BCA-DBD4-462E-A6F5-E00E4027473D}" type="slidenum">
               <a:rPr lang="en-US" smtClean="0"/>
-              <a:t>9</a:t>
+              <a:t>6</a:t>
             </a:fld>
             <a:endParaRPr lang="en-US"/>
           </a:p>
@@ -1151,7 +1960,7 @@
     </p:spTree>
     <p:extLst>
       <p:ext uri="{BB962C8B-B14F-4D97-AF65-F5344CB8AC3E}">
-        <p14:creationId xmlns:p14="http://schemas.microsoft.com/office/powerpoint/2010/main" val="4216556006"/>
+        <p14:creationId xmlns:p14="http://schemas.microsoft.com/office/powerpoint/2010/main" val="867616512"/>
       </p:ext>
     </p:extLst>
   </p:cSld>
@@ -1205,7 +2014,10 @@
           <a:bodyPr/>
           <a:lstStyle/>
           <a:p>
-            <a:endParaRPr lang="en-US" dirty="0"/>
+            <a:r>
+              <a:rPr lang="en-US" dirty="0"/>
+              <a:t>Compare AA compositions of epitopes with those in none-epitope sequence regions.  Hydrophobic or neural Aas are more than those in non-epitope regions.</a:t>
+            </a:r>
           </a:p>
         </p:txBody>
       </p:sp>
@@ -1226,7 +2038,7 @@
           <a:p>
             <a:fld id="{3B914BCA-DBD4-462E-A6F5-E00E4027473D}" type="slidenum">
               <a:rPr lang="en-US" smtClean="0"/>
-              <a:t>10</a:t>
+              <a:t>8</a:t>
             </a:fld>
             <a:endParaRPr lang="en-US"/>
           </a:p>
@@ -1235,7 +2047,7 @@
     </p:spTree>
     <p:extLst>
       <p:ext uri="{BB962C8B-B14F-4D97-AF65-F5344CB8AC3E}">
-        <p14:creationId xmlns:p14="http://schemas.microsoft.com/office/powerpoint/2010/main" val="1570182671"/>
+        <p14:creationId xmlns:p14="http://schemas.microsoft.com/office/powerpoint/2010/main" val="2199881974"/>
       </p:ext>
     </p:extLst>
   </p:cSld>
@@ -1291,7 +2103,7 @@
           <a:p>
             <a:r>
               <a:rPr lang="en-US" dirty="0"/>
-              <a:t>In RNN, the output is determined by the current input and the hidden unit of latest previous layer. Therefore, a RNN model could predict the next word based on current word in a text sequence. LSTM(long-short term memory) is decoration of conventional RNN.  There are forget, input and output gate added in the model. The three gates update the cell state.  Forget reset the hidden unit to  zero. Input decide if input could be removed. Output decide if hidden unit could be used.</a:t>
+              <a:t>Compared with hydrophobicity, rules of polarity and VDWV in epitopes compared with none-epitopes are not obvious.</a:t>
             </a:r>
           </a:p>
         </p:txBody>
@@ -1313,7 +2125,7 @@
           <a:p>
             <a:fld id="{3B914BCA-DBD4-462E-A6F5-E00E4027473D}" type="slidenum">
               <a:rPr lang="en-US" smtClean="0"/>
-              <a:t>17</a:t>
+              <a:t>9</a:t>
             </a:fld>
             <a:endParaRPr lang="en-US"/>
           </a:p>
@@ -1322,7 +2134,7 @@
     </p:spTree>
     <p:extLst>
       <p:ext uri="{BB962C8B-B14F-4D97-AF65-F5344CB8AC3E}">
-        <p14:creationId xmlns:p14="http://schemas.microsoft.com/office/powerpoint/2010/main" val="3972044058"/>
+        <p14:creationId xmlns:p14="http://schemas.microsoft.com/office/powerpoint/2010/main" val="4216556006"/>
       </p:ext>
     </p:extLst>
   </p:cSld>
@@ -1378,79 +2190,15 @@
           <a:p>
             <a:r>
               <a:rPr lang="en-US" dirty="0"/>
-              <a:t>Expand 25 features to 420 features: mean, median, variance of 5 </a:t>
+              <a:t>Two </a:t>
             </a:r>
             <a:r>
               <a:rPr lang="en-US" dirty="0" err="1"/>
-              <a:t>phy-che</a:t>
-            </a:r>
-            <a:r>
-              <a:rPr lang="en-US" dirty="0"/>
-              <a:t> properties. Frequencies of 1-AA, 2-AA, existences of </a:t>
-            </a:r>
-            <a:r>
-              <a:rPr lang="en-US" dirty="0" err="1"/>
-              <a:t>of</a:t>
-            </a:r>
-            <a:r>
-              <a:rPr lang="en-US" dirty="0"/>
-              <a:t> 1-AA, and 2-AA (binary). The RF can help us to evaluate importance of features. Showed as the upper plot, mean value of hydrophobicity, frequency of </a:t>
-            </a:r>
-            <a:r>
-              <a:rPr lang="en-US" dirty="0" err="1"/>
-              <a:t>cys</a:t>
-            </a:r>
-            <a:r>
-              <a:rPr lang="en-US" dirty="0"/>
-              <a:t>, </a:t>
-            </a:r>
-            <a:r>
-              <a:rPr lang="en-US" dirty="0" err="1"/>
-              <a:t>tyr,val</a:t>
-            </a:r>
-            <a:r>
-              <a:rPr lang="en-US" dirty="0"/>
-              <a:t> </a:t>
-            </a:r>
-            <a:r>
-              <a:rPr lang="en-US" dirty="0" err="1"/>
-              <a:t>etc</a:t>
-            </a:r>
-            <a:r>
-              <a:rPr lang="en-US" dirty="0"/>
-              <a:t>, existence of </a:t>
-            </a:r>
-            <a:r>
-              <a:rPr lang="en-US" dirty="0" err="1"/>
-              <a:t>cys</a:t>
-            </a:r>
-            <a:r>
-              <a:rPr lang="en-US" dirty="0"/>
-              <a:t>, </a:t>
-            </a:r>
-            <a:r>
-              <a:rPr lang="en-US" dirty="0" err="1"/>
-              <a:t>tyr</a:t>
-            </a:r>
-            <a:r>
-              <a:rPr lang="en-US" dirty="0"/>
-              <a:t>, </a:t>
-            </a:r>
-            <a:r>
-              <a:rPr lang="en-US" dirty="0" err="1"/>
-              <a:t>val</a:t>
-            </a:r>
-            <a:r>
-              <a:rPr lang="en-US" dirty="0"/>
-              <a:t> Ile, or </a:t>
-            </a:r>
-            <a:r>
-              <a:rPr lang="en-US" dirty="0" err="1"/>
-              <a:t>Phe</a:t>
-            </a:r>
-            <a:r>
-              <a:rPr lang="en-US" dirty="0"/>
-              <a:t>, </a:t>
+              <a:t>neighoring</a:t>
+            </a:r>
+            <a:r>
+              <a:rPr lang="en-US" dirty="0"/>
+              <a:t> amino acids</a:t>
             </a:r>
           </a:p>
         </p:txBody>
@@ -1472,7 +2220,7 @@
           <a:p>
             <a:fld id="{3B914BCA-DBD4-462E-A6F5-E00E4027473D}" type="slidenum">
               <a:rPr lang="en-US" smtClean="0"/>
-              <a:t>24</a:t>
+              <a:t>10</a:t>
             </a:fld>
             <a:endParaRPr lang="en-US"/>
           </a:p>
@@ -1481,7 +2229,7 @@
     </p:spTree>
     <p:extLst>
       <p:ext uri="{BB962C8B-B14F-4D97-AF65-F5344CB8AC3E}">
-        <p14:creationId xmlns:p14="http://schemas.microsoft.com/office/powerpoint/2010/main" val="1184254956"/>
+        <p14:creationId xmlns:p14="http://schemas.microsoft.com/office/powerpoint/2010/main" val="1570182671"/>
       </p:ext>
     </p:extLst>
   </p:cSld>
@@ -1537,23 +2285,7 @@
           <a:p>
             <a:r>
               <a:rPr lang="en-US" dirty="0"/>
-              <a:t>All of AA are hydrophobic amino acid.  Leu is strongest Hydro. </a:t>
-            </a:r>
-            <a:r>
-              <a:rPr lang="en-US" dirty="0" err="1"/>
-              <a:t>Cys</a:t>
-            </a:r>
-            <a:r>
-              <a:rPr lang="en-US" dirty="0"/>
-              <a:t> is less hydro, of which is close to the neutral AA.  AUC of identification of epitopes containing </a:t>
-            </a:r>
-            <a:r>
-              <a:rPr lang="en-US" dirty="0" err="1"/>
-              <a:t>Cys</a:t>
-            </a:r>
-            <a:r>
-              <a:rPr lang="en-US" dirty="0"/>
-              <a:t> or without Leu are larger than others.</a:t>
+              <a:t>Frequency of amino acids</a:t>
             </a:r>
           </a:p>
         </p:txBody>
@@ -1575,7 +2307,7 @@
           <a:p>
             <a:fld id="{3B914BCA-DBD4-462E-A6F5-E00E4027473D}" type="slidenum">
               <a:rPr lang="en-US" smtClean="0"/>
-              <a:t>25</a:t>
+              <a:t>11</a:t>
             </a:fld>
             <a:endParaRPr lang="en-US"/>
           </a:p>
@@ -1584,7 +2316,7 @@
     </p:spTree>
     <p:extLst>
       <p:ext uri="{BB962C8B-B14F-4D97-AF65-F5344CB8AC3E}">
-        <p14:creationId xmlns:p14="http://schemas.microsoft.com/office/powerpoint/2010/main" val="3452257832"/>
+        <p14:creationId xmlns:p14="http://schemas.microsoft.com/office/powerpoint/2010/main" val="2424337231"/>
       </p:ext>
     </p:extLst>
   </p:cSld>
@@ -1640,23 +2372,7 @@
           <a:p>
             <a:r>
               <a:rPr lang="en-US" dirty="0"/>
-              <a:t>Up to 62% epitopes contains at least one leu and don’t include </a:t>
-            </a:r>
-            <a:r>
-              <a:rPr lang="en-US" dirty="0" err="1"/>
-              <a:t>Cys</a:t>
-            </a:r>
-            <a:r>
-              <a:rPr lang="en-US" dirty="0"/>
-              <a:t>. That indicates </a:t>
-            </a:r>
-            <a:r>
-              <a:rPr lang="en-US" dirty="0" err="1"/>
-              <a:t>Cys</a:t>
-            </a:r>
-            <a:r>
-              <a:rPr lang="en-US" dirty="0"/>
-              <a:t> and Leu are contrary parts in lots of epitopes. Val and Leu is compatible to each other in 41% epitopes.</a:t>
+              <a:t>Recall/sensitivity is 80%. Accuracy is 70%. </a:t>
             </a:r>
           </a:p>
         </p:txBody>
@@ -1678,7 +2394,7 @@
           <a:p>
             <a:fld id="{3B914BCA-DBD4-462E-A6F5-E00E4027473D}" type="slidenum">
               <a:rPr lang="en-US" smtClean="0"/>
-              <a:t>26</a:t>
+              <a:t>13</a:t>
             </a:fld>
             <a:endParaRPr lang="en-US"/>
           </a:p>
@@ -1687,7 +2403,7 @@
     </p:spTree>
     <p:extLst>
       <p:ext uri="{BB962C8B-B14F-4D97-AF65-F5344CB8AC3E}">
-        <p14:creationId xmlns:p14="http://schemas.microsoft.com/office/powerpoint/2010/main" val="3234828439"/>
+        <p14:creationId xmlns:p14="http://schemas.microsoft.com/office/powerpoint/2010/main" val="2762367617"/>
       </p:ext>
     </p:extLst>
   </p:cSld>
@@ -1741,7 +2457,10 @@
           <a:bodyPr/>
           <a:lstStyle/>
           <a:p>
-            <a:endParaRPr lang="en-US" dirty="0"/>
+            <a:r>
+              <a:rPr lang="en-US" dirty="0"/>
+              <a:t>Test model using testing data.</a:t>
+            </a:r>
           </a:p>
         </p:txBody>
       </p:sp>
@@ -1762,7 +2481,7 @@
           <a:p>
             <a:fld id="{3B914BCA-DBD4-462E-A6F5-E00E4027473D}" type="slidenum">
               <a:rPr lang="en-US" smtClean="0"/>
-              <a:t>28</a:t>
+              <a:t>14</a:t>
             </a:fld>
             <a:endParaRPr lang="en-US"/>
           </a:p>
@@ -1771,7 +2490,7 @@
     </p:spTree>
     <p:extLst>
       <p:ext uri="{BB962C8B-B14F-4D97-AF65-F5344CB8AC3E}">
-        <p14:creationId xmlns:p14="http://schemas.microsoft.com/office/powerpoint/2010/main" val="2828277421"/>
+        <p14:creationId xmlns:p14="http://schemas.microsoft.com/office/powerpoint/2010/main" val="1878174433"/>
       </p:ext>
     </p:extLst>
   </p:cSld>
@@ -1928,7 +2647,7 @@
           <a:p>
             <a:fld id="{E33955D4-603A-402C-9613-2DFE2CACFABC}" type="datetimeFigureOut">
               <a:rPr lang="en-US" smtClean="0"/>
-              <a:t>1/5/2025</a:t>
+              <a:t>2/10/2025</a:t>
             </a:fld>
             <a:endParaRPr lang="en-US"/>
           </a:p>
@@ -2126,7 +2845,7 @@
           <a:p>
             <a:fld id="{E33955D4-603A-402C-9613-2DFE2CACFABC}" type="datetimeFigureOut">
               <a:rPr lang="en-US" smtClean="0"/>
-              <a:t>1/5/2025</a:t>
+              <a:t>2/10/2025</a:t>
             </a:fld>
             <a:endParaRPr lang="en-US"/>
           </a:p>
@@ -2334,7 +3053,7 @@
           <a:p>
             <a:fld id="{E33955D4-603A-402C-9613-2DFE2CACFABC}" type="datetimeFigureOut">
               <a:rPr lang="en-US" smtClean="0"/>
-              <a:t>1/5/2025</a:t>
+              <a:t>2/10/2025</a:t>
             </a:fld>
             <a:endParaRPr lang="en-US"/>
           </a:p>
@@ -2532,7 +3251,7 @@
           <a:p>
             <a:fld id="{E33955D4-603A-402C-9613-2DFE2CACFABC}" type="datetimeFigureOut">
               <a:rPr lang="en-US" smtClean="0"/>
-              <a:t>1/5/2025</a:t>
+              <a:t>2/10/2025</a:t>
             </a:fld>
             <a:endParaRPr lang="en-US"/>
           </a:p>
@@ -2807,7 +3526,7 @@
           <a:p>
             <a:fld id="{E33955D4-603A-402C-9613-2DFE2CACFABC}" type="datetimeFigureOut">
               <a:rPr lang="en-US" smtClean="0"/>
-              <a:t>1/5/2025</a:t>
+              <a:t>2/10/2025</a:t>
             </a:fld>
             <a:endParaRPr lang="en-US"/>
           </a:p>
@@ -3072,7 +3791,7 @@
           <a:p>
             <a:fld id="{E33955D4-603A-402C-9613-2DFE2CACFABC}" type="datetimeFigureOut">
               <a:rPr lang="en-US" smtClean="0"/>
-              <a:t>1/5/2025</a:t>
+              <a:t>2/10/2025</a:t>
             </a:fld>
             <a:endParaRPr lang="en-US"/>
           </a:p>
@@ -3484,7 +4203,7 @@
           <a:p>
             <a:fld id="{E33955D4-603A-402C-9613-2DFE2CACFABC}" type="datetimeFigureOut">
               <a:rPr lang="en-US" smtClean="0"/>
-              <a:t>1/5/2025</a:t>
+              <a:t>2/10/2025</a:t>
             </a:fld>
             <a:endParaRPr lang="en-US"/>
           </a:p>
@@ -3625,7 +4344,7 @@
           <a:p>
             <a:fld id="{E33955D4-603A-402C-9613-2DFE2CACFABC}" type="datetimeFigureOut">
               <a:rPr lang="en-US" smtClean="0"/>
-              <a:t>1/5/2025</a:t>
+              <a:t>2/10/2025</a:t>
             </a:fld>
             <a:endParaRPr lang="en-US"/>
           </a:p>
@@ -3738,7 +4457,7 @@
           <a:p>
             <a:fld id="{E33955D4-603A-402C-9613-2DFE2CACFABC}" type="datetimeFigureOut">
               <a:rPr lang="en-US" smtClean="0"/>
-              <a:t>1/5/2025</a:t>
+              <a:t>2/10/2025</a:t>
             </a:fld>
             <a:endParaRPr lang="en-US"/>
           </a:p>
@@ -4049,7 +4768,7 @@
           <a:p>
             <a:fld id="{E33955D4-603A-402C-9613-2DFE2CACFABC}" type="datetimeFigureOut">
               <a:rPr lang="en-US" smtClean="0"/>
-              <a:t>1/5/2025</a:t>
+              <a:t>2/10/2025</a:t>
             </a:fld>
             <a:endParaRPr lang="en-US"/>
           </a:p>
@@ -4337,7 +5056,7 @@
           <a:p>
             <a:fld id="{E33955D4-603A-402C-9613-2DFE2CACFABC}" type="datetimeFigureOut">
               <a:rPr lang="en-US" smtClean="0"/>
-              <a:t>1/5/2025</a:t>
+              <a:t>2/10/2025</a:t>
             </a:fld>
             <a:endParaRPr lang="en-US"/>
           </a:p>
@@ -4578,7 +5297,7 @@
           <a:p>
             <a:fld id="{E33955D4-603A-402C-9613-2DFE2CACFABC}" type="datetimeFigureOut">
               <a:rPr lang="en-US" smtClean="0"/>
-              <a:t>1/5/2025</a:t>
+              <a:t>2/10/2025</a:t>
             </a:fld>
             <a:endParaRPr lang="en-US"/>
           </a:p>
@@ -5013,7 +5732,7 @@
         </p:nvSpPr>
         <p:spPr>
           <a:xfrm>
-            <a:off x="1524000" y="1122363"/>
+            <a:off x="1524000" y="1600200"/>
             <a:ext cx="9144000" cy="1655762"/>
           </a:xfrm>
         </p:spPr>
@@ -5263,7 +5982,7 @@
           <p:nvPr/>
         </p:nvPicPr>
         <p:blipFill rotWithShape="1">
-          <a:blip r:embed="rId2">
+          <a:blip r:embed="rId3">
             <a:extLst>
               <a:ext uri="{28A0092B-C50C-407E-A947-70E740481C1C}">
                 <a14:useLocalDpi xmlns:a14="http://schemas.microsoft.com/office/drawing/2010/main" val="0"/>
@@ -5308,7 +6027,7 @@
           <p:nvPr/>
         </p:nvPicPr>
         <p:blipFill rotWithShape="1">
-          <a:blip r:embed="rId3">
+          <a:blip r:embed="rId4">
             <a:extLst>
               <a:ext uri="{28A0092B-C50C-407E-A947-70E740481C1C}">
                 <a14:useLocalDpi xmlns:a14="http://schemas.microsoft.com/office/drawing/2010/main" val="0"/>
@@ -6110,7 +6829,7 @@
           <p:nvPr/>
         </p:nvPicPr>
         <p:blipFill>
-          <a:blip r:embed="rId2">
+          <a:blip r:embed="rId3">
             <a:extLst>
               <a:ext uri="{28A0092B-C50C-407E-A947-70E740481C1C}">
                 <a14:useLocalDpi xmlns:a14="http://schemas.microsoft.com/office/drawing/2010/main" val="0"/>
@@ -6230,7 +6949,7 @@
           <p:nvPr/>
         </p:nvPicPr>
         <p:blipFill>
-          <a:blip r:embed="rId2">
+          <a:blip r:embed="rId3">
             <a:extLst>
               <a:ext uri="{28A0092B-C50C-407E-A947-70E740481C1C}">
                 <a14:useLocalDpi xmlns:a14="http://schemas.microsoft.com/office/drawing/2010/main" val="0"/>
@@ -6277,7 +6996,7 @@
           <p:nvPr/>
         </p:nvPicPr>
         <p:blipFill>
-          <a:blip r:embed="rId3">
+          <a:blip r:embed="rId4">
             <a:extLst>
               <a:ext uri="{28A0092B-C50C-407E-A947-70E740481C1C}">
                 <a14:useLocalDpi xmlns:a14="http://schemas.microsoft.com/office/drawing/2010/main" val="0"/>
@@ -6392,7 +7111,7 @@
         </p:spPr>
         <p:txBody>
           <a:bodyPr>
-            <a:normAutofit lnSpcReduction="10000"/>
+            <a:normAutofit/>
           </a:bodyPr>
           <a:lstStyle/>
           <a:p>
@@ -6405,13 +7124,6 @@
             </a:br>
             <a:r>
               <a:rPr lang="en-US" dirty="0"/>
-              <a:t>- Accuracy is good.</a:t>
-            </a:r>
-            <a:br>
-              <a:rPr lang="en-US" dirty="0"/>
-            </a:br>
-            <a:r>
-              <a:rPr lang="en-US" dirty="0"/>
               <a:t>- It is straight forward to interpret the results.</a:t>
             </a:r>
             <a:br>
@@ -6465,7 +7177,7 @@
     </p:spTree>
     <p:extLst>
       <p:ext uri="{BB962C8B-B14F-4D97-AF65-F5344CB8AC3E}">
-        <p14:creationId xmlns:p14="http://schemas.microsoft.com/office/powerpoint/2010/main" val="3106349650"/>
+        <p14:creationId xmlns:p14="http://schemas.microsoft.com/office/powerpoint/2010/main" val="2428738639"/>
       </p:ext>
     </p:extLst>
   </p:cSld>
@@ -6516,7 +7228,7 @@
         </p:nvSpPr>
         <p:spPr>
           <a:xfrm>
-            <a:off x="740923" y="1425440"/>
+            <a:off x="838200" y="1862761"/>
             <a:ext cx="10515600" cy="1325563"/>
           </a:xfrm>
         </p:spPr>
@@ -6531,36 +7243,6 @@
               <a:rPr lang="en-US" sz="3000" dirty="0"/>
               <a:t>RNN Predictor: Amino Acids Sequence</a:t>
             </a:r>
-          </a:p>
-        </p:txBody>
-      </p:sp>
-      <p:sp>
-        <p:nvSpPr>
-          <p:cNvPr id="3" name="Content Placeholder 2">
-            <a:extLst>
-              <a:ext uri="{FF2B5EF4-FFF2-40B4-BE49-F238E27FC236}">
-                <a16:creationId xmlns:a16="http://schemas.microsoft.com/office/drawing/2014/main" id="{521FA0DE-1C27-C8F5-6EBD-E0E9CDAC604A}"/>
-              </a:ext>
-            </a:extLst>
-          </p:cNvPr>
-          <p:cNvSpPr>
-            <a:spLocks noGrp="1"/>
-          </p:cNvSpPr>
-          <p:nvPr>
-            <p:ph idx="1"/>
-          </p:nvPr>
-        </p:nvSpPr>
-        <p:spPr>
-          <a:xfrm>
-            <a:off x="838200" y="4474723"/>
-            <a:ext cx="10515600" cy="1702240"/>
-          </a:xfrm>
-        </p:spPr>
-        <p:txBody>
-          <a:bodyPr/>
-          <a:lstStyle/>
-          <a:p>
-            <a:endParaRPr lang="en-US" dirty="0"/>
           </a:p>
         </p:txBody>
       </p:sp>
@@ -6625,7 +7307,7 @@
             <a:pPr algn="ctr"/>
             <a:r>
               <a:rPr lang="en-US" sz="3500" dirty="0"/>
-              <a:t>Recurrent Neural Network (RNN)</a:t>
+              <a:t>Recurrent Neural Network (RNN) and LSTM</a:t>
             </a:r>
           </a:p>
         </p:txBody>
@@ -6780,8 +7462,8 @@
           </a:extLst>
         </p:spPr>
       </p:pic>
-      <mc:AlternateContent xmlns:mc="http://schemas.openxmlformats.org/markup-compatibility/2006">
-        <mc:Choice xmlns:a14="http://schemas.microsoft.com/office/drawing/2010/main" Requires="a14">
+      <mc:AlternateContent xmlns:mc="http://schemas.openxmlformats.org/markup-compatibility/2006" xmlns:a14="http://schemas.microsoft.com/office/drawing/2010/main">
+        <mc:Choice Requires="a14">
           <p:sp>
             <p:nvSpPr>
               <p:cNvPr id="8" name="TextBox 7">
@@ -6810,6 +7492,7 @@
               </a:bodyPr>
               <a:lstStyle/>
               <a:p>
+                <a:pPr/>
                 <a14:m>
                   <m:oMathPara xmlns:m="http://schemas.openxmlformats.org/officeDocument/2006/math">
                     <m:oMathParaPr>
@@ -6989,7 +7672,7 @@
             </p:txBody>
           </p:sp>
         </mc:Choice>
-        <mc:Fallback>
+        <mc:Fallback xmlns="">
           <p:sp>
             <p:nvSpPr>
               <p:cNvPr id="8" name="TextBox 7">
@@ -7034,8 +7717,8 @@
           </p:sp>
         </mc:Fallback>
       </mc:AlternateContent>
-      <mc:AlternateContent xmlns:mc="http://schemas.openxmlformats.org/markup-compatibility/2006">
-        <mc:Choice xmlns:a14="http://schemas.microsoft.com/office/drawing/2010/main" Requires="a14">
+      <mc:AlternateContent xmlns:mc="http://schemas.openxmlformats.org/markup-compatibility/2006" xmlns:a14="http://schemas.microsoft.com/office/drawing/2010/main">
+        <mc:Choice Requires="a14">
           <p:sp>
             <p:nvSpPr>
               <p:cNvPr id="9" name="TextBox 8">
@@ -7064,6 +7747,7 @@
               </a:bodyPr>
               <a:lstStyle/>
               <a:p>
+                <a:pPr/>
                 <a14:m>
                   <m:oMathPara xmlns:m="http://schemas.openxmlformats.org/officeDocument/2006/math">
                     <m:oMathParaPr>
@@ -7308,7 +7992,7 @@
             </p:txBody>
           </p:sp>
         </mc:Choice>
-        <mc:Fallback>
+        <mc:Fallback xmlns="">
           <p:sp>
             <p:nvSpPr>
               <p:cNvPr id="9" name="TextBox 8">
@@ -7474,8 +8158,8 @@
           </a:p>
         </p:txBody>
       </p:sp>
-      <mc:AlternateContent xmlns:mc="http://schemas.openxmlformats.org/markup-compatibility/2006">
-        <mc:Choice xmlns:a14="http://schemas.microsoft.com/office/drawing/2010/main" Requires="a14">
+      <mc:AlternateContent xmlns:mc="http://schemas.openxmlformats.org/markup-compatibility/2006" xmlns:a14="http://schemas.microsoft.com/office/drawing/2010/main">
+        <mc:Choice Requires="a14">
           <p:sp>
             <p:nvSpPr>
               <p:cNvPr id="14" name="TextBox 13">
@@ -7504,6 +8188,7 @@
               </a:bodyPr>
               <a:lstStyle/>
               <a:p>
+                <a:pPr/>
                 <a14:m>
                   <m:oMathPara xmlns:m="http://schemas.openxmlformats.org/officeDocument/2006/math">
                     <m:oMathParaPr>
@@ -7743,7 +8428,7 @@
             </p:txBody>
           </p:sp>
         </mc:Choice>
-        <mc:Fallback>
+        <mc:Fallback xmlns="">
           <p:sp>
             <p:nvSpPr>
               <p:cNvPr id="14" name="TextBox 13">
@@ -7788,8 +8473,8 @@
           </p:sp>
         </mc:Fallback>
       </mc:AlternateContent>
-      <mc:AlternateContent xmlns:mc="http://schemas.openxmlformats.org/markup-compatibility/2006">
-        <mc:Choice xmlns:a14="http://schemas.microsoft.com/office/drawing/2010/main" Requires="a14">
+      <mc:AlternateContent xmlns:mc="http://schemas.openxmlformats.org/markup-compatibility/2006" xmlns:a14="http://schemas.microsoft.com/office/drawing/2010/main">
+        <mc:Choice Requires="a14">
           <p:sp>
             <p:nvSpPr>
               <p:cNvPr id="15" name="TextBox 14">
@@ -7818,6 +8503,7 @@
               </a:bodyPr>
               <a:lstStyle/>
               <a:p>
+                <a:pPr/>
                 <a14:m>
                   <m:oMathPara xmlns:m="http://schemas.openxmlformats.org/officeDocument/2006/math">
                     <m:oMathParaPr>
@@ -8057,7 +8743,7 @@
             </p:txBody>
           </p:sp>
         </mc:Choice>
-        <mc:Fallback>
+        <mc:Fallback xmlns="">
           <p:sp>
             <p:nvSpPr>
               <p:cNvPr id="15" name="TextBox 14">
@@ -8102,8 +8788,8 @@
           </p:sp>
         </mc:Fallback>
       </mc:AlternateContent>
-      <mc:AlternateContent xmlns:mc="http://schemas.openxmlformats.org/markup-compatibility/2006">
-        <mc:Choice xmlns:a14="http://schemas.microsoft.com/office/drawing/2010/main" Requires="a14">
+      <mc:AlternateContent xmlns:mc="http://schemas.openxmlformats.org/markup-compatibility/2006" xmlns:a14="http://schemas.microsoft.com/office/drawing/2010/main">
+        <mc:Choice Requires="a14">
           <p:sp>
             <p:nvSpPr>
               <p:cNvPr id="16" name="TextBox 15">
@@ -8132,6 +8818,7 @@
               </a:bodyPr>
               <a:lstStyle/>
               <a:p>
+                <a:pPr/>
                 <a14:m>
                   <m:oMathPara xmlns:m="http://schemas.openxmlformats.org/officeDocument/2006/math">
                     <m:oMathParaPr>
@@ -8371,7 +9058,7 @@
             </p:txBody>
           </p:sp>
         </mc:Choice>
-        <mc:Fallback>
+        <mc:Fallback xmlns="">
           <p:sp>
             <p:nvSpPr>
               <p:cNvPr id="16" name="TextBox 15">
@@ -9236,7 +9923,7 @@
           <p:nvPr/>
         </p:nvPicPr>
         <p:blipFill>
-          <a:blip r:embed="rId2">
+          <a:blip r:embed="rId3">
             <a:extLst>
               <a:ext uri="{28A0092B-C50C-407E-A947-70E740481C1C}">
                 <a14:useLocalDpi xmlns:a14="http://schemas.microsoft.com/office/drawing/2010/main" val="0"/>
@@ -9569,753 +10256,6 @@
   <p:cSld>
     <p:spTree>
       <p:nvGrpSpPr>
-        <p:cNvPr id="1" name="">
-          <a:extLst>
-            <a:ext uri="{FF2B5EF4-FFF2-40B4-BE49-F238E27FC236}">
-              <a16:creationId xmlns:a16="http://schemas.microsoft.com/office/drawing/2014/main" id="{0DFF0707-B082-23AA-C611-C50A00EBA5D6}"/>
-            </a:ext>
-          </a:extLst>
-        </p:cNvPr>
-        <p:cNvGrpSpPr/>
-        <p:nvPr/>
-      </p:nvGrpSpPr>
-      <p:grpSpPr>
-        <a:xfrm>
-          <a:off x="0" y="0"/>
-          <a:ext cx="0" cy="0"/>
-          <a:chOff x="0" y="0"/>
-          <a:chExt cx="0" cy="0"/>
-        </a:xfrm>
-      </p:grpSpPr>
-      <p:sp>
-        <p:nvSpPr>
-          <p:cNvPr id="2" name="Title 1">
-            <a:extLst>
-              <a:ext uri="{FF2B5EF4-FFF2-40B4-BE49-F238E27FC236}">
-                <a16:creationId xmlns:a16="http://schemas.microsoft.com/office/drawing/2014/main" id="{AD1C3473-5EA2-DFC9-821F-6447F86E8C8D}"/>
-              </a:ext>
-            </a:extLst>
-          </p:cNvPr>
-          <p:cNvSpPr>
-            <a:spLocks noGrp="1"/>
-          </p:cNvSpPr>
-          <p:nvPr>
-            <p:ph type="title"/>
-          </p:nvPr>
-        </p:nvSpPr>
-        <p:spPr>
-          <a:xfrm>
-            <a:off x="838201" y="365125"/>
-            <a:ext cx="2267014" cy="821649"/>
-          </a:xfrm>
-        </p:spPr>
-        <p:txBody>
-          <a:bodyPr>
-            <a:normAutofit/>
-          </a:bodyPr>
-          <a:lstStyle/>
-          <a:p>
-            <a:r>
-              <a:rPr lang="en-US" sz="3500" dirty="0"/>
-              <a:t>LSTM+ANN</a:t>
-            </a:r>
-          </a:p>
-        </p:txBody>
-      </p:sp>
-      <p:sp>
-        <p:nvSpPr>
-          <p:cNvPr id="4" name="Rectangle 3">
-            <a:extLst>
-              <a:ext uri="{FF2B5EF4-FFF2-40B4-BE49-F238E27FC236}">
-                <a16:creationId xmlns:a16="http://schemas.microsoft.com/office/drawing/2014/main" id="{7A43D428-787B-8722-63F1-8FABFA2ED829}"/>
-              </a:ext>
-            </a:extLst>
-          </p:cNvPr>
-          <p:cNvSpPr/>
-          <p:nvPr/>
-        </p:nvSpPr>
-        <p:spPr>
-          <a:xfrm>
-            <a:off x="8093413" y="329898"/>
-            <a:ext cx="3043810" cy="625642"/>
-          </a:xfrm>
-          <a:prstGeom prst="rect">
-            <a:avLst/>
-          </a:prstGeom>
-        </p:spPr>
-        <p:style>
-          <a:lnRef idx="2">
-            <a:schemeClr val="accent3">
-              <a:shade val="15000"/>
-            </a:schemeClr>
-          </a:lnRef>
-          <a:fillRef idx="1">
-            <a:schemeClr val="accent3"/>
-          </a:fillRef>
-          <a:effectRef idx="0">
-            <a:schemeClr val="accent3"/>
-          </a:effectRef>
-          <a:fontRef idx="minor">
-            <a:schemeClr val="lt1"/>
-          </a:fontRef>
-        </p:style>
-        <p:txBody>
-          <a:bodyPr rtlCol="0" anchor="ctr"/>
-          <a:lstStyle/>
-          <a:p>
-            <a:pPr algn="ctr"/>
-            <a:r>
-              <a:rPr lang="en-US" dirty="0"/>
-              <a:t>Input: amino acids sequence</a:t>
-            </a:r>
-          </a:p>
-          <a:p>
-            <a:pPr algn="ctr"/>
-            <a:r>
-              <a:rPr lang="en-US" dirty="0"/>
-              <a:t>Text: 32 x p; lengths: 32 x 1</a:t>
-            </a:r>
-          </a:p>
-        </p:txBody>
-      </p:sp>
-      <p:sp>
-        <p:nvSpPr>
-          <p:cNvPr id="5" name="Rectangle 4">
-            <a:extLst>
-              <a:ext uri="{FF2B5EF4-FFF2-40B4-BE49-F238E27FC236}">
-                <a16:creationId xmlns:a16="http://schemas.microsoft.com/office/drawing/2014/main" id="{DCF494E9-DFAB-8289-B48A-E61C502644EF}"/>
-              </a:ext>
-            </a:extLst>
-          </p:cNvPr>
-          <p:cNvSpPr/>
-          <p:nvPr/>
-        </p:nvSpPr>
-        <p:spPr>
-          <a:xfrm>
-            <a:off x="9105088" y="1284035"/>
-            <a:ext cx="2032137" cy="625642"/>
-          </a:xfrm>
-          <a:prstGeom prst="rect">
-            <a:avLst/>
-          </a:prstGeom>
-        </p:spPr>
-        <p:style>
-          <a:lnRef idx="2">
-            <a:schemeClr val="accent3">
-              <a:shade val="15000"/>
-            </a:schemeClr>
-          </a:lnRef>
-          <a:fillRef idx="1">
-            <a:schemeClr val="accent3"/>
-          </a:fillRef>
-          <a:effectRef idx="0">
-            <a:schemeClr val="accent3"/>
-          </a:effectRef>
-          <a:fontRef idx="minor">
-            <a:schemeClr val="lt1"/>
-          </a:fontRef>
-        </p:style>
-        <p:txBody>
-          <a:bodyPr rtlCol="0" anchor="ctr"/>
-          <a:lstStyle/>
-          <a:p>
-            <a:pPr algn="ctr"/>
-            <a:r>
-              <a:rPr lang="en-US" dirty="0"/>
-              <a:t>Embedding layer</a:t>
-            </a:r>
-          </a:p>
-          <a:p>
-            <a:pPr algn="ctr"/>
-            <a:r>
-              <a:rPr lang="en-US" dirty="0"/>
-              <a:t>32 x </a:t>
-            </a:r>
-            <a:r>
-              <a:rPr lang="en-US" dirty="0" err="1"/>
-              <a:t>max_len</a:t>
-            </a:r>
-            <a:r>
-              <a:rPr lang="en-US" dirty="0"/>
-              <a:t> x 48</a:t>
-            </a:r>
-          </a:p>
-        </p:txBody>
-      </p:sp>
-      <p:sp>
-        <p:nvSpPr>
-          <p:cNvPr id="6" name="Rectangle 5">
-            <a:extLst>
-              <a:ext uri="{FF2B5EF4-FFF2-40B4-BE49-F238E27FC236}">
-                <a16:creationId xmlns:a16="http://schemas.microsoft.com/office/drawing/2014/main" id="{F8BF38D3-E0BC-EB8F-1CB5-2BB8F1383D1A}"/>
-              </a:ext>
-            </a:extLst>
-          </p:cNvPr>
-          <p:cNvSpPr/>
-          <p:nvPr/>
-        </p:nvSpPr>
-        <p:spPr>
-          <a:xfrm>
-            <a:off x="9105087" y="3082148"/>
-            <a:ext cx="2032137" cy="625642"/>
-          </a:xfrm>
-          <a:prstGeom prst="rect">
-            <a:avLst/>
-          </a:prstGeom>
-        </p:spPr>
-        <p:style>
-          <a:lnRef idx="2">
-            <a:schemeClr val="accent3">
-              <a:shade val="15000"/>
-            </a:schemeClr>
-          </a:lnRef>
-          <a:fillRef idx="1">
-            <a:schemeClr val="accent3"/>
-          </a:fillRef>
-          <a:effectRef idx="0">
-            <a:schemeClr val="accent3"/>
-          </a:effectRef>
-          <a:fontRef idx="minor">
-            <a:schemeClr val="lt1"/>
-          </a:fontRef>
-        </p:style>
-        <p:txBody>
-          <a:bodyPr rtlCol="0" anchor="ctr"/>
-          <a:lstStyle/>
-          <a:p>
-            <a:pPr algn="ctr"/>
-            <a:r>
-              <a:rPr lang="en-US" dirty="0"/>
-              <a:t>LSTM layer</a:t>
-            </a:r>
-          </a:p>
-          <a:p>
-            <a:pPr algn="ctr"/>
-            <a:r>
-              <a:rPr lang="en-US" dirty="0"/>
-              <a:t>Sum of lengths x 64</a:t>
-            </a:r>
-          </a:p>
-        </p:txBody>
-      </p:sp>
-      <p:sp>
-        <p:nvSpPr>
-          <p:cNvPr id="7" name="Rectangle 6">
-            <a:extLst>
-              <a:ext uri="{FF2B5EF4-FFF2-40B4-BE49-F238E27FC236}">
-                <a16:creationId xmlns:a16="http://schemas.microsoft.com/office/drawing/2014/main" id="{A7AD9116-1C1C-5CCF-8ED4-B8EB0C67D0B9}"/>
-              </a:ext>
-            </a:extLst>
-          </p:cNvPr>
-          <p:cNvSpPr/>
-          <p:nvPr/>
-        </p:nvSpPr>
-        <p:spPr>
-          <a:xfrm>
-            <a:off x="6878045" y="4036285"/>
-            <a:ext cx="4259179" cy="625642"/>
-          </a:xfrm>
-          <a:prstGeom prst="rect">
-            <a:avLst/>
-          </a:prstGeom>
-        </p:spPr>
-        <p:style>
-          <a:lnRef idx="2">
-            <a:schemeClr val="accent3">
-              <a:shade val="15000"/>
-            </a:schemeClr>
-          </a:lnRef>
-          <a:fillRef idx="1">
-            <a:schemeClr val="accent3"/>
-          </a:fillRef>
-          <a:effectRef idx="0">
-            <a:schemeClr val="accent3"/>
-          </a:effectRef>
-          <a:fontRef idx="minor">
-            <a:schemeClr val="lt1"/>
-          </a:fontRef>
-        </p:style>
-        <p:txBody>
-          <a:bodyPr rtlCol="0" anchor="ctr"/>
-          <a:lstStyle/>
-          <a:p>
-            <a:pPr algn="ctr"/>
-            <a:r>
-              <a:rPr lang="en-US" dirty="0"/>
-              <a:t>Fully-connected layer</a:t>
-            </a:r>
-          </a:p>
-          <a:p>
-            <a:pPr algn="ctr"/>
-            <a:r>
-              <a:rPr lang="en-US" dirty="0"/>
-              <a:t>32 x 128</a:t>
-            </a:r>
-          </a:p>
-        </p:txBody>
-      </p:sp>
-      <p:sp>
-        <p:nvSpPr>
-          <p:cNvPr id="8" name="Rectangle 7">
-            <a:extLst>
-              <a:ext uri="{FF2B5EF4-FFF2-40B4-BE49-F238E27FC236}">
-                <a16:creationId xmlns:a16="http://schemas.microsoft.com/office/drawing/2014/main" id="{990FEBE5-F93E-EF5F-02C4-9FED4A72F30A}"/>
-              </a:ext>
-            </a:extLst>
-          </p:cNvPr>
-          <p:cNvSpPr/>
-          <p:nvPr/>
-        </p:nvSpPr>
-        <p:spPr>
-          <a:xfrm>
-            <a:off x="6878048" y="4982200"/>
-            <a:ext cx="4259179" cy="625642"/>
-          </a:xfrm>
-          <a:prstGeom prst="rect">
-            <a:avLst/>
-          </a:prstGeom>
-        </p:spPr>
-        <p:style>
-          <a:lnRef idx="2">
-            <a:schemeClr val="accent3">
-              <a:shade val="15000"/>
-            </a:schemeClr>
-          </a:lnRef>
-          <a:fillRef idx="1">
-            <a:schemeClr val="accent3"/>
-          </a:fillRef>
-          <a:effectRef idx="0">
-            <a:schemeClr val="accent3"/>
-          </a:effectRef>
-          <a:fontRef idx="minor">
-            <a:schemeClr val="lt1"/>
-          </a:fontRef>
-        </p:style>
-        <p:txBody>
-          <a:bodyPr rtlCol="0" anchor="ctr"/>
-          <a:lstStyle/>
-          <a:p>
-            <a:pPr algn="ctr"/>
-            <a:r>
-              <a:rPr lang="en-US" dirty="0"/>
-              <a:t>Fully-connected layer</a:t>
-            </a:r>
-          </a:p>
-          <a:p>
-            <a:pPr algn="ctr"/>
-            <a:r>
-              <a:rPr lang="en-US" dirty="0"/>
-              <a:t>32 x 1</a:t>
-            </a:r>
-          </a:p>
-        </p:txBody>
-      </p:sp>
-      <p:sp>
-        <p:nvSpPr>
-          <p:cNvPr id="10" name="Rectangle 9">
-            <a:extLst>
-              <a:ext uri="{FF2B5EF4-FFF2-40B4-BE49-F238E27FC236}">
-                <a16:creationId xmlns:a16="http://schemas.microsoft.com/office/drawing/2014/main" id="{5E10DCE8-274C-7965-BA31-58BC00B83637}"/>
-              </a:ext>
-            </a:extLst>
-          </p:cNvPr>
-          <p:cNvSpPr/>
-          <p:nvPr/>
-        </p:nvSpPr>
-        <p:spPr>
-          <a:xfrm>
-            <a:off x="5778230" y="6154670"/>
-            <a:ext cx="5358997" cy="625642"/>
-          </a:xfrm>
-          <a:prstGeom prst="rect">
-            <a:avLst/>
-          </a:prstGeom>
-        </p:spPr>
-        <p:style>
-          <a:lnRef idx="2">
-            <a:schemeClr val="accent3">
-              <a:shade val="15000"/>
-            </a:schemeClr>
-          </a:lnRef>
-          <a:fillRef idx="1">
-            <a:schemeClr val="accent3"/>
-          </a:fillRef>
-          <a:effectRef idx="0">
-            <a:schemeClr val="accent3"/>
-          </a:effectRef>
-          <a:fontRef idx="minor">
-            <a:schemeClr val="lt1"/>
-          </a:fontRef>
-        </p:style>
-        <p:txBody>
-          <a:bodyPr rtlCol="0" anchor="ctr"/>
-          <a:lstStyle/>
-          <a:p>
-            <a:pPr algn="ctr"/>
-            <a:r>
-              <a:rPr lang="en-US" dirty="0"/>
-              <a:t>Loss: Binary Cross Entropy</a:t>
-            </a:r>
-          </a:p>
-          <a:p>
-            <a:pPr algn="ctr"/>
-            <a:r>
-              <a:rPr lang="en-US" dirty="0"/>
-              <a:t>Labels: 1 - epitope, 0 – non-epitope , random sequence</a:t>
-            </a:r>
-          </a:p>
-        </p:txBody>
-      </p:sp>
-      <p:sp>
-        <p:nvSpPr>
-          <p:cNvPr id="11" name="Rectangle 10">
-            <a:extLst>
-              <a:ext uri="{FF2B5EF4-FFF2-40B4-BE49-F238E27FC236}">
-                <a16:creationId xmlns:a16="http://schemas.microsoft.com/office/drawing/2014/main" id="{A54D6CFB-1332-D31C-9DE1-6DF8DEBAEBA1}"/>
-              </a:ext>
-            </a:extLst>
-          </p:cNvPr>
-          <p:cNvSpPr/>
-          <p:nvPr/>
-        </p:nvSpPr>
-        <p:spPr>
-          <a:xfrm>
-            <a:off x="9105088" y="2153748"/>
-            <a:ext cx="2032135" cy="625642"/>
-          </a:xfrm>
-          <a:prstGeom prst="rect">
-            <a:avLst/>
-          </a:prstGeom>
-        </p:spPr>
-        <p:style>
-          <a:lnRef idx="2">
-            <a:schemeClr val="accent3">
-              <a:shade val="15000"/>
-            </a:schemeClr>
-          </a:lnRef>
-          <a:fillRef idx="1">
-            <a:schemeClr val="accent3"/>
-          </a:fillRef>
-          <a:effectRef idx="0">
-            <a:schemeClr val="accent3"/>
-          </a:effectRef>
-          <a:fontRef idx="minor">
-            <a:schemeClr val="lt1"/>
-          </a:fontRef>
-        </p:style>
-        <p:txBody>
-          <a:bodyPr rtlCol="0" anchor="ctr"/>
-          <a:lstStyle/>
-          <a:p>
-            <a:pPr algn="ctr"/>
-            <a:r>
-              <a:rPr lang="en-US" dirty="0"/>
-              <a:t>packing</a:t>
-            </a:r>
-          </a:p>
-          <a:p>
-            <a:pPr algn="ctr"/>
-            <a:r>
-              <a:rPr lang="en-US" dirty="0"/>
-              <a:t>Sum of lengths x 48</a:t>
-            </a:r>
-          </a:p>
-        </p:txBody>
-      </p:sp>
-      <p:sp>
-        <p:nvSpPr>
-          <p:cNvPr id="12" name="Arrow: Down 11">
-            <a:extLst>
-              <a:ext uri="{FF2B5EF4-FFF2-40B4-BE49-F238E27FC236}">
-                <a16:creationId xmlns:a16="http://schemas.microsoft.com/office/drawing/2014/main" id="{928F12B5-9382-8C6A-C89D-545527FC6F42}"/>
-              </a:ext>
-            </a:extLst>
-          </p:cNvPr>
-          <p:cNvSpPr/>
-          <p:nvPr/>
-        </p:nvSpPr>
-        <p:spPr>
-          <a:xfrm>
-            <a:off x="11401927" y="365125"/>
-            <a:ext cx="376989" cy="6168567"/>
-          </a:xfrm>
-          <a:prstGeom prst="downArrow">
-            <a:avLst/>
-          </a:prstGeom>
-        </p:spPr>
-        <p:style>
-          <a:lnRef idx="2">
-            <a:schemeClr val="accent1">
-              <a:shade val="15000"/>
-            </a:schemeClr>
-          </a:lnRef>
-          <a:fillRef idx="1">
-            <a:schemeClr val="accent1"/>
-          </a:fillRef>
-          <a:effectRef idx="0">
-            <a:schemeClr val="accent1"/>
-          </a:effectRef>
-          <a:fontRef idx="minor">
-            <a:schemeClr val="lt1"/>
-          </a:fontRef>
-        </p:style>
-        <p:txBody>
-          <a:bodyPr rtlCol="0" anchor="ctr"/>
-          <a:lstStyle/>
-          <a:p>
-            <a:pPr algn="ctr"/>
-            <a:endParaRPr lang="en-US"/>
-          </a:p>
-        </p:txBody>
-      </p:sp>
-      <p:sp>
-        <p:nvSpPr>
-          <p:cNvPr id="17" name="TextBox 16">
-            <a:extLst>
-              <a:ext uri="{FF2B5EF4-FFF2-40B4-BE49-F238E27FC236}">
-                <a16:creationId xmlns:a16="http://schemas.microsoft.com/office/drawing/2014/main" id="{C33E5951-A376-5687-8255-707F7C3E9F50}"/>
-              </a:ext>
-            </a:extLst>
-          </p:cNvPr>
-          <p:cNvSpPr txBox="1"/>
-          <p:nvPr/>
-        </p:nvSpPr>
-        <p:spPr>
-          <a:xfrm>
-            <a:off x="413084" y="4661927"/>
-            <a:ext cx="2692130" cy="1384995"/>
-          </a:xfrm>
-          <a:prstGeom prst="rect">
-            <a:avLst/>
-          </a:prstGeom>
-          <a:noFill/>
-        </p:spPr>
-        <p:txBody>
-          <a:bodyPr wrap="square">
-            <a:spAutoFit/>
-          </a:bodyPr>
-          <a:lstStyle/>
-          <a:p>
-            <a:r>
-              <a:rPr lang="en-US" sz="3000" b="1" dirty="0"/>
-              <a:t>Datasets:</a:t>
-            </a:r>
-          </a:p>
-          <a:p>
-            <a:r>
-              <a:rPr lang="en-US" dirty="0"/>
-              <a:t>Train: ~2.6M</a:t>
-            </a:r>
-            <a:br>
-              <a:rPr lang="en-US" dirty="0"/>
-            </a:br>
-            <a:r>
-              <a:rPr lang="en-US" dirty="0"/>
-              <a:t>Validate: ~0.9M</a:t>
-            </a:r>
-            <a:br>
-              <a:rPr lang="en-US" dirty="0"/>
-            </a:br>
-            <a:r>
-              <a:rPr lang="en-US" dirty="0"/>
-              <a:t>Test: ~0.9M</a:t>
-            </a:r>
-          </a:p>
-        </p:txBody>
-      </p:sp>
-      <p:graphicFrame>
-        <p:nvGraphicFramePr>
-          <p:cNvPr id="18" name="Table 17">
-            <a:extLst>
-              <a:ext uri="{FF2B5EF4-FFF2-40B4-BE49-F238E27FC236}">
-                <a16:creationId xmlns:a16="http://schemas.microsoft.com/office/drawing/2014/main" id="{117CAAE7-15FB-338E-4102-B2344E198EEC}"/>
-              </a:ext>
-            </a:extLst>
-          </p:cNvPr>
-          <p:cNvGraphicFramePr>
-            <a:graphicFrameLocks noGrp="1"/>
-          </p:cNvGraphicFramePr>
-          <p:nvPr>
-            <p:extLst>
-              <p:ext uri="{D42A27DB-BD31-4B8C-83A1-F6EECF244321}">
-                <p14:modId xmlns:p14="http://schemas.microsoft.com/office/powerpoint/2010/main" val="2541945257"/>
-              </p:ext>
-            </p:extLst>
-          </p:nvPr>
-        </p:nvGraphicFramePr>
-        <p:xfrm>
-          <a:off x="284399" y="1869442"/>
-          <a:ext cx="3353746" cy="2202437"/>
-        </p:xfrm>
-        <a:graphic>
-          <a:graphicData uri="http://schemas.openxmlformats.org/drawingml/2006/table">
-            <a:tbl>
-              <a:tblPr firstRow="1" bandRow="1">
-                <a:tableStyleId>{5C22544A-7EE6-4342-B048-85BDC9FD1C3A}</a:tableStyleId>
-              </a:tblPr>
-              <a:tblGrid>
-                <a:gridCol w="1113236">
-                  <a:extLst>
-                    <a:ext uri="{9D8B030D-6E8A-4147-A177-3AD203B41FA5}">
-                      <a16:colId xmlns:a16="http://schemas.microsoft.com/office/drawing/2014/main" val="3210765895"/>
-                    </a:ext>
-                  </a:extLst>
-                </a:gridCol>
-                <a:gridCol w="2240510">
-                  <a:extLst>
-                    <a:ext uri="{9D8B030D-6E8A-4147-A177-3AD203B41FA5}">
-                      <a16:colId xmlns:a16="http://schemas.microsoft.com/office/drawing/2014/main" val="567912042"/>
-                    </a:ext>
-                  </a:extLst>
-                </a:gridCol>
-              </a:tblGrid>
-              <a:tr h="373637">
-                <a:tc>
-                  <a:txBody>
-                    <a:bodyPr/>
-                    <a:lstStyle/>
-                    <a:p>
-                      <a:r>
-                        <a:rPr lang="en-US" dirty="0"/>
-                        <a:t>Label</a:t>
-                      </a:r>
-                    </a:p>
-                  </a:txBody>
-                  <a:tcPr/>
-                </a:tc>
-                <a:tc>
-                  <a:txBody>
-                    <a:bodyPr/>
-                    <a:lstStyle/>
-                    <a:p>
-                      <a:r>
-                        <a:rPr lang="en-US" dirty="0"/>
-                        <a:t>Size</a:t>
-                      </a:r>
-                    </a:p>
-                  </a:txBody>
-                  <a:tcPr/>
-                </a:tc>
-                <a:extLst>
-                  <a:ext uri="{0D108BD9-81ED-4DB2-BD59-A6C34878D82A}">
-                    <a16:rowId xmlns:a16="http://schemas.microsoft.com/office/drawing/2014/main" val="3704484777"/>
-                  </a:ext>
-                </a:extLst>
-              </a:tr>
-              <a:tr h="838584">
-                <a:tc>
-                  <a:txBody>
-                    <a:bodyPr/>
-                    <a:lstStyle/>
-                    <a:p>
-                      <a:r>
-                        <a:rPr lang="en-US" dirty="0"/>
-                        <a:t>Epitopes</a:t>
-                      </a:r>
-                    </a:p>
-                  </a:txBody>
-                  <a:tcPr/>
-                </a:tc>
-                <a:tc>
-                  <a:txBody>
-                    <a:bodyPr/>
-                    <a:lstStyle/>
-                    <a:p>
-                      <a:r>
-                        <a:rPr lang="en-US" dirty="0"/>
-                        <a:t>Filtered epitopes: ~ 1.9M</a:t>
-                      </a:r>
-                    </a:p>
-                    <a:p>
-                      <a:endParaRPr lang="en-US" dirty="0"/>
-                    </a:p>
-                  </a:txBody>
-                  <a:tcPr/>
-                </a:tc>
-                <a:extLst>
-                  <a:ext uri="{0D108BD9-81ED-4DB2-BD59-A6C34878D82A}">
-                    <a16:rowId xmlns:a16="http://schemas.microsoft.com/office/drawing/2014/main" val="1500649421"/>
-                  </a:ext>
-                </a:extLst>
-              </a:tr>
-              <a:tr h="838584">
-                <a:tc>
-                  <a:txBody>
-                    <a:bodyPr/>
-                    <a:lstStyle/>
-                    <a:p>
-                      <a:pPr marL="0" marR="0" lvl="0" indent="0" algn="l" defTabSz="914400" rtl="0" eaLnBrk="1" fontAlgn="auto" latinLnBrk="0" hangingPunct="1">
-                        <a:lnSpc>
-                          <a:spcPct val="100000"/>
-                        </a:lnSpc>
-                        <a:spcBef>
-                          <a:spcPts val="0"/>
-                        </a:spcBef>
-                        <a:spcAft>
-                          <a:spcPts val="0"/>
-                        </a:spcAft>
-                        <a:buClrTx/>
-                        <a:buSzTx/>
-                        <a:buFontTx/>
-                        <a:buNone/>
-                        <a:tabLst/>
-                        <a:defRPr/>
-                      </a:pPr>
-                      <a:r>
-                        <a:rPr lang="en-US" dirty="0"/>
-                        <a:t>Non-epitopes</a:t>
-                      </a:r>
-                    </a:p>
-                  </a:txBody>
-                  <a:tcPr/>
-                </a:tc>
-                <a:tc>
-                  <a:txBody>
-                    <a:bodyPr/>
-                    <a:lstStyle/>
-                    <a:p>
-                      <a:r>
-                        <a:rPr lang="en-US" dirty="0"/>
-                        <a:t>Non-epitopes: ~ 1.6M</a:t>
-                      </a:r>
-                    </a:p>
-                    <a:p>
-                      <a:r>
-                        <a:rPr lang="en-US" dirty="0"/>
-                        <a:t>Random ligands: ~ 0.9M</a:t>
-                      </a:r>
-                    </a:p>
-                  </a:txBody>
-                  <a:tcPr/>
-                </a:tc>
-                <a:extLst>
-                  <a:ext uri="{0D108BD9-81ED-4DB2-BD59-A6C34878D82A}">
-                    <a16:rowId xmlns:a16="http://schemas.microsoft.com/office/drawing/2014/main" val="1548390"/>
-                  </a:ext>
-                </a:extLst>
-              </a:tr>
-            </a:tbl>
-          </a:graphicData>
-        </a:graphic>
-      </p:graphicFrame>
-    </p:spTree>
-    <p:extLst>
-      <p:ext uri="{BB962C8B-B14F-4D97-AF65-F5344CB8AC3E}">
-        <p14:creationId xmlns:p14="http://schemas.microsoft.com/office/powerpoint/2010/main" val="2707392065"/>
-      </p:ext>
-    </p:extLst>
-  </p:cSld>
-  <p:clrMapOvr>
-    <a:masterClrMapping/>
-  </p:clrMapOvr>
-</p:sld>
-</file>
-
-<file path=ppt/slides/slide22.xml><?xml version="1.0" encoding="utf-8"?>
-<p:sld xmlns:a="http://schemas.openxmlformats.org/drawingml/2006/main" xmlns:r="http://schemas.openxmlformats.org/officeDocument/2006/relationships" xmlns:p="http://schemas.openxmlformats.org/presentationml/2006/main">
-  <p:cSld>
-    <p:spTree>
-      <p:nvGrpSpPr>
         <p:cNvPr id="1" name=""/>
         <p:cNvGrpSpPr/>
         <p:nvPr/>
@@ -10344,11 +10284,17 @@
             <p:ph type="title"/>
           </p:nvPr>
         </p:nvSpPr>
-        <p:spPr/>
+        <p:spPr>
+          <a:xfrm>
+            <a:off x="838200" y="365126"/>
+            <a:ext cx="10515600" cy="976658"/>
+          </a:xfrm>
+        </p:spPr>
         <p:txBody>
           <a:bodyPr/>
           <a:lstStyle/>
           <a:p>
+            <a:pPr algn="ctr"/>
             <a:r>
               <a:rPr lang="en-US" dirty="0"/>
               <a:t>Discussion of the RNN model</a:t>
@@ -10442,7 +10388,7 @@
     </p:spTree>
     <p:extLst>
       <p:ext uri="{BB962C8B-B14F-4D97-AF65-F5344CB8AC3E}">
-        <p14:creationId xmlns:p14="http://schemas.microsoft.com/office/powerpoint/2010/main" val="59901168"/>
+        <p14:creationId xmlns:p14="http://schemas.microsoft.com/office/powerpoint/2010/main" val="1808178185"/>
       </p:ext>
     </p:extLst>
   </p:cSld>
@@ -10452,7 +10398,7 @@
 </p:sld>
 </file>
 
-<file path=ppt/slides/slide23.xml><?xml version="1.0" encoding="utf-8"?>
+<file path=ppt/slides/slide22.xml><?xml version="1.0" encoding="utf-8"?>
 <p:sld xmlns:a="http://schemas.openxmlformats.org/drawingml/2006/main" xmlns:r="http://schemas.openxmlformats.org/officeDocument/2006/relationships" xmlns:p="http://schemas.openxmlformats.org/presentationml/2006/main">
   <p:cSld>
     <p:spTree>
@@ -10569,7 +10515,7 @@
 </p:sld>
 </file>
 
-<file path=ppt/slides/slide24.xml><?xml version="1.0" encoding="utf-8"?>
+<file path=ppt/slides/slide23.xml><?xml version="1.0" encoding="utf-8"?>
 <p:sld xmlns:a="http://schemas.openxmlformats.org/drawingml/2006/main" xmlns:r="http://schemas.openxmlformats.org/officeDocument/2006/relationships" xmlns:p="http://schemas.openxmlformats.org/presentationml/2006/main">
   <p:cSld>
     <p:spTree>
@@ -10727,7 +10673,7 @@
 </p:sld>
 </file>
 
-<file path=ppt/slides/slide25.xml><?xml version="1.0" encoding="utf-8"?>
+<file path=ppt/slides/slide24.xml><?xml version="1.0" encoding="utf-8"?>
 <p:sld xmlns:a="http://schemas.openxmlformats.org/drawingml/2006/main" xmlns:r="http://schemas.openxmlformats.org/officeDocument/2006/relationships" xmlns:p="http://schemas.openxmlformats.org/presentationml/2006/main">
   <p:cSld>
     <p:spTree>
@@ -10836,7 +10782,7 @@
 </p:sld>
 </file>
 
-<file path=ppt/slides/slide26.xml><?xml version="1.0" encoding="utf-8"?>
+<file path=ppt/slides/slide25.xml><?xml version="1.0" encoding="utf-8"?>
 <p:sld xmlns:a="http://schemas.openxmlformats.org/drawingml/2006/main" xmlns:r="http://schemas.openxmlformats.org/officeDocument/2006/relationships" xmlns:p="http://schemas.openxmlformats.org/presentationml/2006/main">
   <p:cSld>
     <p:spTree>
@@ -11037,7 +10983,7 @@
 </p:sld>
 </file>
 
-<file path=ppt/slides/slide27.xml><?xml version="1.0" encoding="utf-8"?>
+<file path=ppt/slides/slide26.xml><?xml version="1.0" encoding="utf-8"?>
 <p:sld xmlns:a="http://schemas.openxmlformats.org/drawingml/2006/main" xmlns:r="http://schemas.openxmlformats.org/officeDocument/2006/relationships" xmlns:p="http://schemas.openxmlformats.org/presentationml/2006/main">
   <p:cSld>
     <p:spTree>
@@ -11072,19 +11018,20 @@
         </p:nvSpPr>
         <p:spPr>
           <a:xfrm>
-            <a:off x="3998001" y="315341"/>
-            <a:ext cx="4649888" cy="1002524"/>
+            <a:off x="2385391" y="315341"/>
+            <a:ext cx="7981122" cy="1002524"/>
           </a:xfrm>
         </p:spPr>
         <p:txBody>
           <a:bodyPr>
-            <a:normAutofit fontScale="90000"/>
+            <a:normAutofit/>
           </a:bodyPr>
           <a:lstStyle/>
           <a:p>
-            <a:r>
-              <a:rPr lang="en-US" sz="4000" b="1" dirty="0"/>
-              <a:t>Optimize ANN and RNN</a:t>
+            <a:pPr algn="ctr"/>
+            <a:r>
+              <a:rPr lang="en-US" sz="3500" b="1" dirty="0"/>
+              <a:t>Chain of thoughts for Optimization</a:t>
             </a:r>
           </a:p>
         </p:txBody>
@@ -11755,7 +11702,7 @@
 </p:sld>
 </file>
 
-<file path=ppt/slides/slide28.xml><?xml version="1.0" encoding="utf-8"?>
+<file path=ppt/slides/slide27.xml><?xml version="1.0" encoding="utf-8"?>
 <p:sld xmlns:a="http://schemas.openxmlformats.org/drawingml/2006/main" xmlns:r="http://schemas.openxmlformats.org/officeDocument/2006/relationships" xmlns:p="http://schemas.openxmlformats.org/presentationml/2006/main">
   <p:cSld>
     <p:spTree>
@@ -12031,7 +11978,7 @@
           <a:p>
             <a:r>
               <a:rPr lang="en-US" sz="2000" b="1" dirty="0"/>
-              <a:t>RNN, Epitopes without Leu but having </a:t>
+              <a:t>ANN, Epitopes without Leu but having </a:t>
             </a:r>
             <a:r>
               <a:rPr lang="en-US" sz="2000" b="1" dirty="0" err="1"/>
@@ -12045,6 +11992,316 @@
     <p:extLst>
       <p:ext uri="{BB962C8B-B14F-4D97-AF65-F5344CB8AC3E}">
         <p14:creationId xmlns:p14="http://schemas.microsoft.com/office/powerpoint/2010/main" val="2032708070"/>
+      </p:ext>
+    </p:extLst>
+  </p:cSld>
+  <p:clrMapOvr>
+    <a:masterClrMapping/>
+  </p:clrMapOvr>
+</p:sld>
+</file>
+
+<file path=ppt/slides/slide28.xml><?xml version="1.0" encoding="utf-8"?>
+<p:sld xmlns:a="http://schemas.openxmlformats.org/drawingml/2006/main" xmlns:r="http://schemas.openxmlformats.org/officeDocument/2006/relationships" xmlns:p="http://schemas.openxmlformats.org/presentationml/2006/main">
+  <p:cSld>
+    <p:spTree>
+      <p:nvGrpSpPr>
+        <p:cNvPr id="1" name="">
+          <a:extLst>
+            <a:ext uri="{FF2B5EF4-FFF2-40B4-BE49-F238E27FC236}">
+              <a16:creationId xmlns:a16="http://schemas.microsoft.com/office/drawing/2014/main" id="{1BBD6202-D4AB-807A-2A95-CFC0D047755A}"/>
+            </a:ext>
+          </a:extLst>
+        </p:cNvPr>
+        <p:cNvGrpSpPr/>
+        <p:nvPr/>
+      </p:nvGrpSpPr>
+      <p:grpSpPr>
+        <a:xfrm>
+          <a:off x="0" y="0"/>
+          <a:ext cx="0" cy="0"/>
+          <a:chOff x="0" y="0"/>
+          <a:chExt cx="0" cy="0"/>
+        </a:xfrm>
+      </p:grpSpPr>
+      <p:sp>
+        <p:nvSpPr>
+          <p:cNvPr id="4" name="TextBox 3">
+            <a:extLst>
+              <a:ext uri="{FF2B5EF4-FFF2-40B4-BE49-F238E27FC236}">
+                <a16:creationId xmlns:a16="http://schemas.microsoft.com/office/drawing/2014/main" id="{54EAD548-B49E-1D1E-FB37-2DA46F8D8A5C}"/>
+              </a:ext>
+            </a:extLst>
+          </p:cNvPr>
+          <p:cNvSpPr txBox="1"/>
+          <p:nvPr/>
+        </p:nvSpPr>
+        <p:spPr>
+          <a:xfrm>
+            <a:off x="389105" y="452982"/>
+            <a:ext cx="5919313" cy="400110"/>
+          </a:xfrm>
+          <a:prstGeom prst="rect">
+            <a:avLst/>
+          </a:prstGeom>
+          <a:noFill/>
+        </p:spPr>
+        <p:txBody>
+          <a:bodyPr wrap="none" rtlCol="0">
+            <a:spAutoFit/>
+          </a:bodyPr>
+          <a:lstStyle/>
+          <a:p>
+            <a:r>
+              <a:rPr lang="en-US" sz="2000" b="1" dirty="0"/>
+              <a:t>RNN, Epitopes without </a:t>
+            </a:r>
+            <a:r>
+              <a:rPr lang="en-US" sz="2000" b="1" dirty="0" err="1"/>
+              <a:t>Cys</a:t>
+            </a:r>
+            <a:r>
+              <a:rPr lang="en-US" sz="2000" b="1" dirty="0"/>
+              <a:t> but having Leu, recall=84%</a:t>
+            </a:r>
+          </a:p>
+        </p:txBody>
+      </p:sp>
+      <p:sp>
+        <p:nvSpPr>
+          <p:cNvPr id="5" name="TextBox 4">
+            <a:extLst>
+              <a:ext uri="{FF2B5EF4-FFF2-40B4-BE49-F238E27FC236}">
+                <a16:creationId xmlns:a16="http://schemas.microsoft.com/office/drawing/2014/main" id="{79E4F238-3C74-CA4F-4B2E-FEC867E4CE02}"/>
+              </a:ext>
+            </a:extLst>
+          </p:cNvPr>
+          <p:cNvSpPr txBox="1"/>
+          <p:nvPr/>
+        </p:nvSpPr>
+        <p:spPr>
+          <a:xfrm>
+            <a:off x="389105" y="3678729"/>
+            <a:ext cx="5919313" cy="400110"/>
+          </a:xfrm>
+          <a:prstGeom prst="rect">
+            <a:avLst/>
+          </a:prstGeom>
+          <a:noFill/>
+        </p:spPr>
+        <p:txBody>
+          <a:bodyPr wrap="none" rtlCol="0">
+            <a:spAutoFit/>
+          </a:bodyPr>
+          <a:lstStyle/>
+          <a:p>
+            <a:r>
+              <a:rPr lang="en-US" sz="2000" b="1" dirty="0"/>
+              <a:t>RNN, Epitopes without Leu but having </a:t>
+            </a:r>
+            <a:r>
+              <a:rPr lang="en-US" sz="2000" b="1" dirty="0" err="1"/>
+              <a:t>Cys</a:t>
+            </a:r>
+            <a:r>
+              <a:rPr lang="en-US" sz="2000" b="1" dirty="0"/>
+              <a:t>, recall=69%</a:t>
+            </a:r>
+          </a:p>
+        </p:txBody>
+      </p:sp>
+      <p:pic>
+        <p:nvPicPr>
+          <p:cNvPr id="1026" name="Picture 2">
+            <a:extLst>
+              <a:ext uri="{FF2B5EF4-FFF2-40B4-BE49-F238E27FC236}">
+                <a16:creationId xmlns:a16="http://schemas.microsoft.com/office/drawing/2014/main" id="{7302F940-31CB-4DC4-8581-69E81CBEF89E}"/>
+              </a:ext>
+            </a:extLst>
+          </p:cNvPr>
+          <p:cNvPicPr>
+            <a:picLocks noChangeAspect="1" noChangeArrowheads="1"/>
+          </p:cNvPicPr>
+          <p:nvPr/>
+        </p:nvPicPr>
+        <p:blipFill>
+          <a:blip r:embed="rId3">
+            <a:extLst>
+              <a:ext uri="{28A0092B-C50C-407E-A947-70E740481C1C}">
+                <a14:useLocalDpi xmlns:a14="http://schemas.microsoft.com/office/drawing/2010/main" val="0"/>
+              </a:ext>
+            </a:extLst>
+          </a:blip>
+          <a:srcRect/>
+          <a:stretch>
+            <a:fillRect/>
+          </a:stretch>
+        </p:blipFill>
+        <p:spPr bwMode="auto">
+          <a:xfrm>
+            <a:off x="649787" y="1066268"/>
+            <a:ext cx="6729539" cy="2362175"/>
+          </a:xfrm>
+          <a:prstGeom prst="rect">
+            <a:avLst/>
+          </a:prstGeom>
+          <a:noFill/>
+          <a:extLst>
+            <a:ext uri="{909E8E84-426E-40DD-AFC4-6F175D3DCCD1}">
+              <a14:hiddenFill xmlns:a14="http://schemas.microsoft.com/office/drawing/2010/main">
+                <a:solidFill>
+                  <a:srgbClr val="FFFFFF"/>
+                </a:solidFill>
+              </a14:hiddenFill>
+            </a:ext>
+          </a:extLst>
+        </p:spPr>
+      </p:pic>
+      <p:pic>
+        <p:nvPicPr>
+          <p:cNvPr id="1030" name="Picture 6">
+            <a:extLst>
+              <a:ext uri="{FF2B5EF4-FFF2-40B4-BE49-F238E27FC236}">
+                <a16:creationId xmlns:a16="http://schemas.microsoft.com/office/drawing/2014/main" id="{8F6B0279-D6A7-7639-0841-E99D45103B3E}"/>
+              </a:ext>
+            </a:extLst>
+          </p:cNvPr>
+          <p:cNvPicPr>
+            <a:picLocks noChangeAspect="1" noChangeArrowheads="1"/>
+          </p:cNvPicPr>
+          <p:nvPr/>
+        </p:nvPicPr>
+        <p:blipFill>
+          <a:blip r:embed="rId4">
+            <a:extLst>
+              <a:ext uri="{28A0092B-C50C-407E-A947-70E740481C1C}">
+                <a14:useLocalDpi xmlns:a14="http://schemas.microsoft.com/office/drawing/2010/main" val="0"/>
+              </a:ext>
+            </a:extLst>
+          </a:blip>
+          <a:srcRect/>
+          <a:stretch>
+            <a:fillRect/>
+          </a:stretch>
+        </p:blipFill>
+        <p:spPr bwMode="auto">
+          <a:xfrm>
+            <a:off x="8540093" y="1273453"/>
+            <a:ext cx="3123372" cy="2154990"/>
+          </a:xfrm>
+          <a:prstGeom prst="rect">
+            <a:avLst/>
+          </a:prstGeom>
+          <a:noFill/>
+          <a:extLst>
+            <a:ext uri="{909E8E84-426E-40DD-AFC4-6F175D3DCCD1}">
+              <a14:hiddenFill xmlns:a14="http://schemas.microsoft.com/office/drawing/2010/main">
+                <a:solidFill>
+                  <a:srgbClr val="FFFFFF"/>
+                </a:solidFill>
+              </a14:hiddenFill>
+            </a:ext>
+          </a:extLst>
+        </p:spPr>
+      </p:pic>
+      <p:pic>
+        <p:nvPicPr>
+          <p:cNvPr id="1032" name="Picture 8">
+            <a:extLst>
+              <a:ext uri="{FF2B5EF4-FFF2-40B4-BE49-F238E27FC236}">
+                <a16:creationId xmlns:a16="http://schemas.microsoft.com/office/drawing/2014/main" id="{7B593120-AA3C-274D-8C3D-3005A758045D}"/>
+              </a:ext>
+            </a:extLst>
+          </p:cNvPr>
+          <p:cNvPicPr>
+            <a:picLocks noChangeAspect="1" noChangeArrowheads="1"/>
+          </p:cNvPicPr>
+          <p:nvPr/>
+        </p:nvPicPr>
+        <p:blipFill>
+          <a:blip r:embed="rId5">
+            <a:extLst>
+              <a:ext uri="{28A0092B-C50C-407E-A947-70E740481C1C}">
+                <a14:useLocalDpi xmlns:a14="http://schemas.microsoft.com/office/drawing/2010/main" val="0"/>
+              </a:ext>
+            </a:extLst>
+          </a:blip>
+          <a:srcRect/>
+          <a:stretch>
+            <a:fillRect/>
+          </a:stretch>
+        </p:blipFill>
+        <p:spPr bwMode="auto">
+          <a:xfrm>
+            <a:off x="580477" y="4278179"/>
+            <a:ext cx="6925677" cy="2431022"/>
+          </a:xfrm>
+          <a:prstGeom prst="rect">
+            <a:avLst/>
+          </a:prstGeom>
+          <a:noFill/>
+          <a:extLst>
+            <a:ext uri="{909E8E84-426E-40DD-AFC4-6F175D3DCCD1}">
+              <a14:hiddenFill xmlns:a14="http://schemas.microsoft.com/office/drawing/2010/main">
+                <a:solidFill>
+                  <a:srgbClr val="FFFFFF"/>
+                </a:solidFill>
+              </a14:hiddenFill>
+            </a:ext>
+          </a:extLst>
+        </p:spPr>
+      </p:pic>
+      <p:pic>
+        <p:nvPicPr>
+          <p:cNvPr id="1036" name="Picture 12">
+            <a:extLst>
+              <a:ext uri="{FF2B5EF4-FFF2-40B4-BE49-F238E27FC236}">
+                <a16:creationId xmlns:a16="http://schemas.microsoft.com/office/drawing/2014/main" id="{FB7AFF22-CEDD-B919-DA0A-A8F8999EB6AF}"/>
+              </a:ext>
+            </a:extLst>
+          </p:cNvPr>
+          <p:cNvPicPr>
+            <a:picLocks noChangeAspect="1" noChangeArrowheads="1"/>
+          </p:cNvPicPr>
+          <p:nvPr/>
+        </p:nvPicPr>
+        <p:blipFill>
+          <a:blip r:embed="rId6">
+            <a:extLst>
+              <a:ext uri="{28A0092B-C50C-407E-A947-70E740481C1C}">
+                <a14:useLocalDpi xmlns:a14="http://schemas.microsoft.com/office/drawing/2010/main" val="0"/>
+              </a:ext>
+            </a:extLst>
+          </a:blip>
+          <a:srcRect/>
+          <a:stretch>
+            <a:fillRect/>
+          </a:stretch>
+        </p:blipFill>
+        <p:spPr bwMode="auto">
+          <a:xfrm>
+            <a:off x="8341932" y="4177544"/>
+            <a:ext cx="3321533" cy="2291713"/>
+          </a:xfrm>
+          <a:prstGeom prst="rect">
+            <a:avLst/>
+          </a:prstGeom>
+          <a:noFill/>
+          <a:extLst>
+            <a:ext uri="{909E8E84-426E-40DD-AFC4-6F175D3DCCD1}">
+              <a14:hiddenFill xmlns:a14="http://schemas.microsoft.com/office/drawing/2010/main">
+                <a:solidFill>
+                  <a:srgbClr val="FFFFFF"/>
+                </a:solidFill>
+              </a14:hiddenFill>
+            </a:ext>
+          </a:extLst>
+        </p:spPr>
+      </p:pic>
+    </p:spTree>
+    <p:extLst>
+      <p:ext uri="{BB962C8B-B14F-4D97-AF65-F5344CB8AC3E}">
+        <p14:creationId xmlns:p14="http://schemas.microsoft.com/office/powerpoint/2010/main" val="4039397875"/>
       </p:ext>
     </p:extLst>
   </p:cSld>
@@ -12196,12 +12453,18 @@
           <a:lstStyle/>
           <a:p>
             <a:r>
-              <a:rPr lang="en-US" dirty="0"/>
+              <a:rPr lang="en-US" b="1" dirty="0"/>
               <a:t>Discover antibody clone for therapeutic intent.</a:t>
             </a:r>
           </a:p>
           <a:p>
             <a:r>
+              <a:rPr lang="en-US" b="1" dirty="0"/>
+              <a:t>Antibody purification in drug production.</a:t>
+            </a:r>
+          </a:p>
+          <a:p>
+            <a:r>
               <a:rPr lang="en-US" dirty="0"/>
               <a:t>Discover potential mutation site for overcoming drug resistance.</a:t>
             </a:r>
@@ -12210,12 +12473,6 @@
             <a:r>
               <a:rPr lang="en-US" dirty="0"/>
               <a:t>Design mutation sites for assessing antibodies.</a:t>
-            </a:r>
-          </a:p>
-          <a:p>
-            <a:r>
-              <a:rPr lang="en-US" dirty="0"/>
-              <a:t>Produce antibodies.</a:t>
             </a:r>
           </a:p>
           <a:p>
@@ -13205,8 +13462,8 @@
           <a:p>
             <a:pPr algn="ctr"/>
             <a:r>
-              <a:rPr lang="en-US" sz="4000" dirty="0"/>
-              <a:t>Discussion of epitope predictions</a:t>
+              <a:rPr lang="en-US" sz="3500" dirty="0"/>
+              <a:t>Challenges of ML models</a:t>
             </a:r>
           </a:p>
         </p:txBody>
@@ -13234,62 +13491,26 @@
           <a:p>
             <a:r>
               <a:rPr lang="en-US" dirty="0"/>
-              <a:t>Applications:</a:t>
+              <a:t>Uncertain negative labels.</a:t>
             </a:r>
             <a:br>
               <a:rPr lang="en-US" dirty="0"/>
             </a:br>
             <a:r>
               <a:rPr lang="en-US" dirty="0"/>
-              <a:t>- Discover antibody clone.</a:t>
-            </a:r>
-            <a:br>
-              <a:rPr lang="en-US" dirty="0"/>
-            </a:br>
-            <a:r>
-              <a:rPr lang="en-US" dirty="0"/>
-              <a:t>- Discover mutated epitopes for solving drug resistance.</a:t>
-            </a:r>
-            <a:br>
-              <a:rPr lang="en-US" dirty="0"/>
-            </a:br>
-            <a:r>
-              <a:rPr lang="en-US" dirty="0"/>
-              <a:t>- Design peptide libraries for epitopes mapping.</a:t>
-            </a:r>
-            <a:br>
-              <a:rPr lang="en-US" dirty="0"/>
-            </a:br>
-            <a:r>
-              <a:rPr lang="en-US" dirty="0"/>
-              <a:t>- Screen epitopes with high affinity for antibody production.</a:t>
-            </a:r>
-          </a:p>
-          <a:p>
-            <a:r>
-              <a:rPr lang="en-US" dirty="0"/>
-              <a:t>Challenges of ML models:</a:t>
-            </a:r>
-            <a:br>
-              <a:rPr lang="en-US" dirty="0"/>
-            </a:br>
-            <a:r>
-              <a:rPr lang="en-US" dirty="0"/>
-              <a:t>- Uncertain negative labels.</a:t>
-            </a:r>
-            <a:br>
-              <a:rPr lang="en-US" dirty="0"/>
-            </a:br>
-            <a:r>
-              <a:rPr lang="en-US" dirty="0"/>
-              <a:t>- Sequence representations: token.</a:t>
-            </a:r>
-            <a:br>
-              <a:rPr lang="en-US" dirty="0"/>
-            </a:br>
-            <a:r>
-              <a:rPr lang="en-US" dirty="0"/>
-              <a:t>- Orchestrate your screening systems.</a:t>
+              <a:t>Negative labels have impact on accuracy and recall of models.</a:t>
+            </a:r>
+          </a:p>
+          <a:p>
+            <a:r>
+              <a:rPr lang="en-US" dirty="0"/>
+              <a:t>Sequence representations: Word piece tokenization.</a:t>
+            </a:r>
+          </a:p>
+          <a:p>
+            <a:r>
+              <a:rPr lang="en-US" dirty="0"/>
+              <a:t>Orchestrate screening systems: Peptide array or phage display.</a:t>
             </a:r>
           </a:p>
         </p:txBody>
@@ -13537,94 +13758,6 @@
     <p:extLst>
       <p:ext uri="{BB962C8B-B14F-4D97-AF65-F5344CB8AC3E}">
         <p14:creationId xmlns:p14="http://schemas.microsoft.com/office/powerpoint/2010/main" val="2336066901"/>
-      </p:ext>
-    </p:extLst>
-  </p:cSld>
-  <p:clrMapOvr>
-    <a:masterClrMapping/>
-  </p:clrMapOvr>
-</p:sld>
-</file>
-
-<file path=ppt/slides/slide36.xml><?xml version="1.0" encoding="utf-8"?>
-<p:sld xmlns:a="http://schemas.openxmlformats.org/drawingml/2006/main" xmlns:r="http://schemas.openxmlformats.org/officeDocument/2006/relationships" xmlns:p="http://schemas.openxmlformats.org/presentationml/2006/main">
-  <p:cSld>
-    <p:spTree>
-      <p:nvGrpSpPr>
-        <p:cNvPr id="1" name=""/>
-        <p:cNvGrpSpPr/>
-        <p:nvPr/>
-      </p:nvGrpSpPr>
-      <p:grpSpPr>
-        <a:xfrm>
-          <a:off x="0" y="0"/>
-          <a:ext cx="0" cy="0"/>
-          <a:chOff x="0" y="0"/>
-          <a:chExt cx="0" cy="0"/>
-        </a:xfrm>
-      </p:grpSpPr>
-      <p:sp>
-        <p:nvSpPr>
-          <p:cNvPr id="2" name="Title 1">
-            <a:extLst>
-              <a:ext uri="{FF2B5EF4-FFF2-40B4-BE49-F238E27FC236}">
-                <a16:creationId xmlns:a16="http://schemas.microsoft.com/office/drawing/2014/main" id="{B3AA0BDB-B556-65F0-59FD-5362638E8818}"/>
-              </a:ext>
-            </a:extLst>
-          </p:cNvPr>
-          <p:cNvSpPr>
-            <a:spLocks noGrp="1"/>
-          </p:cNvSpPr>
-          <p:nvPr>
-            <p:ph type="title"/>
-          </p:nvPr>
-        </p:nvSpPr>
-        <p:spPr/>
-        <p:txBody>
-          <a:bodyPr>
-            <a:normAutofit/>
-          </a:bodyPr>
-          <a:lstStyle/>
-          <a:p>
-            <a:pPr algn="ctr"/>
-            <a:endParaRPr lang="en-US" sz="4000" dirty="0"/>
-          </a:p>
-        </p:txBody>
-      </p:sp>
-      <p:sp>
-        <p:nvSpPr>
-          <p:cNvPr id="3" name="Content Placeholder 2">
-            <a:extLst>
-              <a:ext uri="{FF2B5EF4-FFF2-40B4-BE49-F238E27FC236}">
-                <a16:creationId xmlns:a16="http://schemas.microsoft.com/office/drawing/2014/main" id="{6EAB566B-E2BC-6FD5-A253-54C15B2A73D2}"/>
-              </a:ext>
-            </a:extLst>
-          </p:cNvPr>
-          <p:cNvSpPr>
-            <a:spLocks noGrp="1"/>
-          </p:cNvSpPr>
-          <p:nvPr>
-            <p:ph idx="1"/>
-          </p:nvPr>
-        </p:nvSpPr>
-        <p:spPr>
-          <a:xfrm>
-            <a:off x="838200" y="3428999"/>
-            <a:ext cx="10515600" cy="2747963"/>
-          </a:xfrm>
-        </p:spPr>
-        <p:txBody>
-          <a:bodyPr/>
-          <a:lstStyle/>
-          <a:p>
-            <a:endParaRPr lang="en-US" dirty="0"/>
-          </a:p>
-        </p:txBody>
-      </p:sp>
-    </p:spTree>
-    <p:extLst>
-      <p:ext uri="{BB962C8B-B14F-4D97-AF65-F5344CB8AC3E}">
-        <p14:creationId xmlns:p14="http://schemas.microsoft.com/office/powerpoint/2010/main" val="4280171745"/>
       </p:ext>
     </p:extLst>
   </p:cSld>
@@ -14150,8 +14283,8 @@
         </p:blipFill>
         <p:spPr bwMode="auto">
           <a:xfrm>
-            <a:off x="4076392" y="702723"/>
-            <a:ext cx="6597991" cy="2726276"/>
+            <a:off x="3627784" y="517359"/>
+            <a:ext cx="7046600" cy="2911640"/>
           </a:xfrm>
           <a:prstGeom prst="rect">
             <a:avLst/>
@@ -14226,8 +14359,8 @@
         </p:nvSpPr>
         <p:spPr>
           <a:xfrm>
-            <a:off x="164746" y="4200355"/>
-            <a:ext cx="2705741" cy="1015663"/>
+            <a:off x="244259" y="4786764"/>
+            <a:ext cx="2836871" cy="1477328"/>
           </a:xfrm>
           <a:prstGeom prst="rect">
             <a:avLst/>
@@ -14235,7 +14368,7 @@
           <a:noFill/>
         </p:spPr>
         <p:txBody>
-          <a:bodyPr wrap="none" rtlCol="0">
+          <a:bodyPr wrap="square" rtlCol="0">
             <a:spAutoFit/>
           </a:bodyPr>
           <a:lstStyle/>
@@ -14248,7 +14381,15 @@
           <a:p>
             <a:r>
               <a:rPr lang="en-US" sz="3000" dirty="0"/>
-              <a:t>(IEDB, Jan 2004)</a:t>
+              <a:t>(IEDB &amp; </a:t>
+            </a:r>
+            <a:r>
+              <a:rPr lang="en-US" sz="3000" dirty="0" err="1"/>
+              <a:t>UniProt</a:t>
+            </a:r>
+            <a:r>
+              <a:rPr lang="en-US" sz="3000" dirty="0"/>
+              <a:t>, Jan 2024)</a:t>
             </a:r>
           </a:p>
         </p:txBody>
@@ -14301,7 +14442,7 @@
         </p:nvSpPr>
         <p:spPr>
           <a:xfrm>
-            <a:off x="740923" y="1425440"/>
+            <a:off x="760802" y="2469048"/>
             <a:ext cx="10515600" cy="1325563"/>
           </a:xfrm>
         </p:spPr>
@@ -14323,36 +14464,6 @@
               <a:rPr lang="en-US" sz="3000" dirty="0"/>
               <a:t>Frequencies of Amino Acids</a:t>
             </a:r>
-          </a:p>
-        </p:txBody>
-      </p:sp>
-      <p:sp>
-        <p:nvSpPr>
-          <p:cNvPr id="3" name="Content Placeholder 2">
-            <a:extLst>
-              <a:ext uri="{FF2B5EF4-FFF2-40B4-BE49-F238E27FC236}">
-                <a16:creationId xmlns:a16="http://schemas.microsoft.com/office/drawing/2014/main" id="{10C51E55-44B5-4AE7-F372-FCD8D13DA3C8}"/>
-              </a:ext>
-            </a:extLst>
-          </p:cNvPr>
-          <p:cNvSpPr>
-            <a:spLocks noGrp="1"/>
-          </p:cNvSpPr>
-          <p:nvPr>
-            <p:ph idx="1"/>
-          </p:nvPr>
-        </p:nvSpPr>
-        <p:spPr>
-          <a:xfrm>
-            <a:off x="838200" y="4474723"/>
-            <a:ext cx="10515600" cy="1702240"/>
-          </a:xfrm>
-        </p:spPr>
-        <p:txBody>
-          <a:bodyPr/>
-          <a:lstStyle/>
-          <a:p>
-            <a:endParaRPr lang="en-US" dirty="0"/>
           </a:p>
         </p:txBody>
       </p:sp>
